--- a/Lecture/Factors/Factors_Lecture.pptx
+++ b/Lecture/Factors/Factors_Lecture.pptx
@@ -6,10 +6,10 @@
     <p:sldMasterId id="2147483676" r:id="rId2"/>
   </p:sldMasterIdLst>
   <p:notesMasterIdLst>
-    <p:notesMasterId r:id="rId39"/>
+    <p:notesMasterId r:id="rId42"/>
   </p:notesMasterIdLst>
   <p:handoutMasterIdLst>
-    <p:handoutMasterId r:id="rId40"/>
+    <p:handoutMasterId r:id="rId43"/>
   </p:handoutMasterIdLst>
   <p:sldIdLst>
     <p:sldId id="320" r:id="rId3"/>
@@ -47,12 +47,15 @@
     <p:sldId id="437" r:id="rId35"/>
     <p:sldId id="438" r:id="rId36"/>
     <p:sldId id="439" r:id="rId37"/>
-    <p:sldId id="329" r:id="rId38"/>
+    <p:sldId id="440" r:id="rId38"/>
+    <p:sldId id="441" r:id="rId39"/>
+    <p:sldId id="442" r:id="rId40"/>
+    <p:sldId id="329" r:id="rId41"/>
   </p:sldIdLst>
   <p:sldSz cx="9144000" cy="6858000" type="screen4x3"/>
   <p:notesSz cx="6858000" cy="9144000"/>
   <p:custDataLst>
-    <p:tags r:id="rId41"/>
+    <p:tags r:id="rId44"/>
   </p:custDataLst>
   <p:defaultTextStyle>
     <a:defPPr>
@@ -323,7 +326,7 @@
               <a:pPr>
                 <a:defRPr/>
               </a:pPr>
-              <a:t>7/9/2019</a:t>
+              <a:t>10/1/2020</a:t>
             </a:fld>
             <a:endParaRPr lang="en-US" dirty="0"/>
           </a:p>
@@ -535,7 +538,7 @@
               <a:pPr>
                 <a:defRPr/>
               </a:pPr>
-              <a:t>7/9/2019</a:t>
+              <a:t>10/1/2020</a:t>
             </a:fld>
             <a:endParaRPr lang="en-US" dirty="0"/>
           </a:p>
@@ -1054,7 +1057,7 @@
               <a:pPr>
                 <a:defRPr/>
               </a:pPr>
-              <a:t>7/9/2019</a:t>
+              <a:t>10/1/2020</a:t>
             </a:fld>
             <a:endParaRPr lang="en-US" dirty="0"/>
           </a:p>
@@ -1244,7 +1247,7 @@
               <a:pPr>
                 <a:defRPr/>
               </a:pPr>
-              <a:t>7/9/2019</a:t>
+              <a:t>10/1/2020</a:t>
             </a:fld>
             <a:endParaRPr lang="en-US" dirty="0"/>
           </a:p>
@@ -1444,7 +1447,7 @@
               <a:pPr>
                 <a:defRPr/>
               </a:pPr>
-              <a:t>7/9/2019</a:t>
+              <a:t>10/1/2020</a:t>
             </a:fld>
             <a:endParaRPr lang="en-US" dirty="0"/>
           </a:p>
@@ -1712,7 +1715,7 @@
               <a:pPr>
                 <a:defRPr/>
               </a:pPr>
-              <a:t>7/9/2019</a:t>
+              <a:t>10/1/2020</a:t>
             </a:fld>
             <a:endParaRPr lang="en-US" dirty="0">
               <a:solidFill>
@@ -1926,7 +1929,7 @@
               <a:pPr>
                 <a:defRPr/>
               </a:pPr>
-              <a:t>7/9/2019</a:t>
+              <a:t>10/1/2020</a:t>
             </a:fld>
             <a:endParaRPr lang="en-US" dirty="0">
               <a:solidFill>
@@ -2217,7 +2220,7 @@
               <a:pPr>
                 <a:defRPr/>
               </a:pPr>
-              <a:t>7/9/2019</a:t>
+              <a:t>10/1/2020</a:t>
             </a:fld>
             <a:endParaRPr lang="en-US" dirty="0">
               <a:solidFill>
@@ -2548,7 +2551,7 @@
               <a:pPr>
                 <a:defRPr/>
               </a:pPr>
-              <a:t>7/9/2019</a:t>
+              <a:t>10/1/2020</a:t>
             </a:fld>
             <a:endParaRPr lang="en-US" dirty="0">
               <a:solidFill>
@@ -3013,7 +3016,7 @@
               <a:pPr>
                 <a:defRPr/>
               </a:pPr>
-              <a:t>7/9/2019</a:t>
+              <a:t>10/1/2020</a:t>
             </a:fld>
             <a:endParaRPr lang="en-US" dirty="0">
               <a:solidFill>
@@ -3176,7 +3179,7 @@
               <a:pPr>
                 <a:defRPr/>
               </a:pPr>
-              <a:t>7/9/2019</a:t>
+              <a:t>10/1/2020</a:t>
             </a:fld>
             <a:endParaRPr lang="en-US" dirty="0">
               <a:solidFill>
@@ -3317,7 +3320,7 @@
               <a:pPr>
                 <a:defRPr/>
               </a:pPr>
-              <a:t>7/9/2019</a:t>
+              <a:t>10/1/2020</a:t>
             </a:fld>
             <a:endParaRPr lang="en-US" dirty="0">
               <a:solidFill>
@@ -3638,7 +3641,7 @@
               <a:pPr>
                 <a:defRPr/>
               </a:pPr>
-              <a:t>7/9/2019</a:t>
+              <a:t>10/1/2020</a:t>
             </a:fld>
             <a:endParaRPr lang="en-US" dirty="0">
               <a:solidFill>
@@ -3846,7 +3849,7 @@
               <a:pPr>
                 <a:defRPr/>
               </a:pPr>
-              <a:t>7/9/2019</a:t>
+              <a:t>10/1/2020</a:t>
             </a:fld>
             <a:endParaRPr lang="en-US" dirty="0"/>
           </a:p>
@@ -4129,7 +4132,7 @@
               <a:pPr>
                 <a:defRPr/>
               </a:pPr>
-              <a:t>7/9/2019</a:t>
+              <a:t>10/1/2020</a:t>
             </a:fld>
             <a:endParaRPr lang="en-US" dirty="0">
               <a:solidFill>
@@ -4343,7 +4346,7 @@
               <a:pPr>
                 <a:defRPr/>
               </a:pPr>
-              <a:t>7/9/2019</a:t>
+              <a:t>10/1/2020</a:t>
             </a:fld>
             <a:endParaRPr lang="en-US" dirty="0">
               <a:solidFill>
@@ -4567,7 +4570,7 @@
               <a:pPr>
                 <a:defRPr/>
               </a:pPr>
-              <a:t>7/9/2019</a:t>
+              <a:t>10/1/2020</a:t>
             </a:fld>
             <a:endParaRPr lang="en-US" dirty="0">
               <a:solidFill>
@@ -4777,7 +4780,7 @@
               <a:pPr>
                 <a:defRPr/>
               </a:pPr>
-              <a:t>7/9/2019</a:t>
+              <a:t>10/1/2020</a:t>
             </a:fld>
             <a:endParaRPr lang="en-US" dirty="0">
               <a:solidFill>
@@ -5054,7 +5057,7 @@
               <a:pPr>
                 <a:defRPr/>
               </a:pPr>
-              <a:t>7/9/2019</a:t>
+              <a:t>10/1/2020</a:t>
             </a:fld>
             <a:endParaRPr lang="en-US" dirty="0"/>
           </a:p>
@@ -5361,7 +5364,7 @@
               <a:pPr>
                 <a:defRPr/>
               </a:pPr>
-              <a:t>7/9/2019</a:t>
+              <a:t>10/1/2020</a:t>
             </a:fld>
             <a:endParaRPr lang="en-US" dirty="0"/>
           </a:p>
@@ -5802,7 +5805,7 @@
               <a:pPr>
                 <a:defRPr/>
               </a:pPr>
-              <a:t>7/9/2019</a:t>
+              <a:t>10/1/2020</a:t>
             </a:fld>
             <a:endParaRPr lang="en-US" dirty="0"/>
           </a:p>
@@ -5941,7 +5944,7 @@
               <a:pPr>
                 <a:defRPr/>
               </a:pPr>
-              <a:t>7/9/2019</a:t>
+              <a:t>10/1/2020</a:t>
             </a:fld>
             <a:endParaRPr lang="en-US" dirty="0"/>
           </a:p>
@@ -6058,7 +6061,7 @@
               <a:pPr>
                 <a:defRPr/>
               </a:pPr>
-              <a:t>7/9/2019</a:t>
+              <a:t>10/1/2020</a:t>
             </a:fld>
             <a:endParaRPr lang="en-US" dirty="0"/>
           </a:p>
@@ -6355,7 +6358,7 @@
               <a:pPr>
                 <a:defRPr/>
               </a:pPr>
-              <a:t>7/9/2019</a:t>
+              <a:t>10/1/2020</a:t>
             </a:fld>
             <a:endParaRPr lang="en-US" dirty="0"/>
           </a:p>
@@ -6632,7 +6635,7 @@
               <a:pPr>
                 <a:defRPr/>
               </a:pPr>
-              <a:t>7/9/2019</a:t>
+              <a:t>10/1/2020</a:t>
             </a:fld>
             <a:endParaRPr lang="en-US" dirty="0"/>
           </a:p>
@@ -6889,7 +6892,7 @@
               <a:pPr>
                 <a:defRPr/>
               </a:pPr>
-              <a:t>7/9/2019</a:t>
+              <a:t>10/1/2020</a:t>
             </a:fld>
             <a:endParaRPr lang="en-US" dirty="0"/>
           </a:p>
@@ -7599,7 +7602,7 @@
               <a:pPr>
                 <a:defRPr/>
               </a:pPr>
-              <a:t>7/9/2019</a:t>
+              <a:t>10/1/2020</a:t>
             </a:fld>
             <a:endParaRPr lang="en-US" dirty="0">
               <a:solidFill>
@@ -15157,10 +15160,10 @@
       </p:sp>
       <p:pic>
         <p:nvPicPr>
-          <p:cNvPr id="3" name="Picture 2">
+          <p:cNvPr id="4" name="Picture 3">
             <a:extLst>
               <a:ext uri="{FF2B5EF4-FFF2-40B4-BE49-F238E27FC236}">
-                <a16:creationId xmlns:a16="http://schemas.microsoft.com/office/drawing/2014/main" id="{FA6EEF77-7692-470D-B321-933F698913C9}"/>
+                <a16:creationId xmlns:a16="http://schemas.microsoft.com/office/drawing/2014/main" id="{E1FDDBFF-FEDE-4757-95DA-3865DB59756E}"/>
               </a:ext>
             </a:extLst>
           </p:cNvPr>
@@ -15177,8 +15180,8 @@
         </p:blipFill>
         <p:spPr>
           <a:xfrm>
-            <a:off x="3596640" y="1143000"/>
-            <a:ext cx="5476602" cy="5244067"/>
+            <a:off x="3596640" y="1158899"/>
+            <a:ext cx="5450013" cy="4953000"/>
           </a:xfrm>
           <a:prstGeom prst="rect">
             <a:avLst/>
@@ -20591,6 +20594,1739 @@
 </file>
 
 <file path=ppt/slides/slide36.xml><?xml version="1.0" encoding="utf-8"?>
+<p:sld xmlns:a="http://schemas.openxmlformats.org/drawingml/2006/main" xmlns:r="http://schemas.openxmlformats.org/officeDocument/2006/relationships" xmlns:p="http://schemas.openxmlformats.org/presentationml/2006/main">
+  <p:cSld>
+    <p:bg>
+      <p:bgPr>
+        <a:solidFill>
+          <a:schemeClr val="bg1">
+            <a:lumMod val="85000"/>
+          </a:schemeClr>
+        </a:solidFill>
+        <a:effectLst/>
+      </p:bgPr>
+    </p:bg>
+    <p:spTree>
+      <p:nvGrpSpPr>
+        <p:cNvPr id="1" name=""/>
+        <p:cNvGrpSpPr/>
+        <p:nvPr/>
+      </p:nvGrpSpPr>
+      <p:grpSpPr>
+        <a:xfrm>
+          <a:off x="0" y="0"/>
+          <a:ext cx="0" cy="0"/>
+          <a:chOff x="0" y="0"/>
+          <a:chExt cx="0" cy="0"/>
+        </a:xfrm>
+      </p:grpSpPr>
+      <p:sp>
+        <p:nvSpPr>
+          <p:cNvPr id="15" name="Rectangle 12">
+            <a:extLst>
+              <a:ext uri="{FF2B5EF4-FFF2-40B4-BE49-F238E27FC236}">
+                <a16:creationId xmlns:a16="http://schemas.microsoft.com/office/drawing/2014/main" id="{867D4867-5BA7-4462-B2F6-A23F4A622AA7}"/>
+              </a:ext>
+              <a:ext uri="{C183D7F6-B498-43B3-948B-1728B52AA6E4}">
+                <adec:decorative xmlns:adec="http://schemas.microsoft.com/office/drawing/2017/decorative" val="1"/>
+              </a:ext>
+            </a:extLst>
+          </p:cNvPr>
+          <p:cNvSpPr>
+            <a:spLocks noGrp="1" noRot="1" noChangeAspect="1" noMove="1" noResize="1" noEditPoints="1" noAdjustHandles="1" noChangeArrowheads="1" noChangeShapeType="1" noTextEdit="1"/>
+          </p:cNvSpPr>
+          <p:nvPr>
+            <p:extLst>
+              <p:ext uri="{386F3935-93C4-4BCD-93E2-E3B085C9AB24}">
+                <p16:designElem xmlns:p16="http://schemas.microsoft.com/office/powerpoint/2015/main" val="1"/>
+              </p:ext>
+            </p:extLst>
+          </p:nvPr>
+        </p:nvSpPr>
+        <p:spPr>
+          <a:xfrm>
+            <a:off x="0" y="0"/>
+            <a:ext cx="3490722" cy="6858000"/>
+          </a:xfrm>
+          <a:prstGeom prst="rect">
+            <a:avLst/>
+          </a:prstGeom>
+          <a:solidFill>
+            <a:schemeClr val="tx1">
+              <a:lumMod val="75000"/>
+              <a:lumOff val="25000"/>
+            </a:schemeClr>
+          </a:solidFill>
+          <a:ln>
+            <a:noFill/>
+          </a:ln>
+        </p:spPr>
+        <p:style>
+          <a:lnRef idx="0">
+            <a:scrgbClr r="0" g="0" b="0"/>
+          </a:lnRef>
+          <a:fillRef idx="0">
+            <a:scrgbClr r="0" g="0" b="0"/>
+          </a:fillRef>
+          <a:effectRef idx="0">
+            <a:scrgbClr r="0" g="0" b="0"/>
+          </a:effectRef>
+          <a:fontRef idx="minor">
+            <a:schemeClr val="lt1"/>
+          </a:fontRef>
+        </p:style>
+        <p:txBody>
+          <a:bodyPr rtlCol="0" anchor="ctr"/>
+          <a:lstStyle/>
+          <a:p>
+            <a:pPr marL="0" marR="0" lvl="0" indent="0" algn="ctr" defTabSz="457200" rtl="0" eaLnBrk="1" fontAlgn="base" latinLnBrk="0" hangingPunct="1">
+              <a:lnSpc>
+                <a:spcPct val="100000"/>
+              </a:lnSpc>
+              <a:spcBef>
+                <a:spcPct val="0"/>
+              </a:spcBef>
+              <a:spcAft>
+                <a:spcPct val="0"/>
+              </a:spcAft>
+              <a:buClrTx/>
+              <a:buSzTx/>
+              <a:buFontTx/>
+              <a:buNone/>
+              <a:tabLst/>
+              <a:defRPr/>
+            </a:pPr>
+            <a:endParaRPr kumimoji="0" lang="en-US" sz="2400" b="0" i="0" u="none" strike="noStrike" kern="1200" cap="none" spc="0" normalizeH="0" baseline="0" noProof="0">
+              <a:ln>
+                <a:noFill/>
+              </a:ln>
+              <a:solidFill>
+                <a:prstClr val="white"/>
+              </a:solidFill>
+              <a:effectLst/>
+              <a:uLnTx/>
+              <a:uFillTx/>
+              <a:latin typeface="Calibri"/>
+              <a:ea typeface="+mn-ea"/>
+              <a:cs typeface="+mn-cs"/>
+            </a:endParaRPr>
+          </a:p>
+        </p:txBody>
+      </p:sp>
+      <p:sp>
+        <p:nvSpPr>
+          <p:cNvPr id="2" name="Title 1"/>
+          <p:cNvSpPr>
+            <a:spLocks noGrp="1"/>
+          </p:cNvSpPr>
+          <p:nvPr>
+            <p:ph type="title"/>
+          </p:nvPr>
+        </p:nvSpPr>
+        <p:spPr>
+          <a:xfrm>
+            <a:off x="482600" y="643467"/>
+            <a:ext cx="2522980" cy="1597315"/>
+          </a:xfrm>
+          <a:noFill/>
+          <a:ln w="19050">
+            <a:solidFill>
+              <a:schemeClr val="bg1"/>
+            </a:solidFill>
+          </a:ln>
+        </p:spPr>
+        <p:txBody>
+          <a:bodyPr vert="horz" wrap="square" lIns="91440" tIns="45720" rIns="91440" bIns="45720" rtlCol="0" anchor="ctr">
+            <a:normAutofit/>
+          </a:bodyPr>
+          <a:lstStyle/>
+          <a:p>
+            <a:pPr defTabSz="914400" eaLnBrk="1" hangingPunct="1">
+              <a:lnSpc>
+                <a:spcPct val="90000"/>
+              </a:lnSpc>
+            </a:pPr>
+            <a:r>
+              <a:rPr lang="en-US" sz="2400" kern="1200" dirty="0">
+                <a:solidFill>
+                  <a:schemeClr val="bg1"/>
+                </a:solidFill>
+                <a:latin typeface="+mj-lt"/>
+                <a:ea typeface="+mj-ea"/>
+                <a:cs typeface="+mj-cs"/>
+              </a:rPr>
+              <a:t>Level 6: Numeric to Factor</a:t>
+            </a:r>
+          </a:p>
+        </p:txBody>
+      </p:sp>
+      <p:pic>
+        <p:nvPicPr>
+          <p:cNvPr id="8" name="Picture 7">
+            <a:extLst>
+              <a:ext uri="{FF2B5EF4-FFF2-40B4-BE49-F238E27FC236}">
+                <a16:creationId xmlns:a16="http://schemas.microsoft.com/office/drawing/2014/main" id="{521D4292-9ECC-4DA5-8CC0-C561A0DA118E}"/>
+              </a:ext>
+            </a:extLst>
+          </p:cNvPr>
+          <p:cNvPicPr>
+            <a:picLocks noChangeAspect="1"/>
+          </p:cNvPicPr>
+          <p:nvPr/>
+        </p:nvPicPr>
+        <p:blipFill rotWithShape="1">
+          <a:blip r:embed="rId3"/>
+          <a:srcRect l="8000" r="9400"/>
+          <a:stretch/>
+        </p:blipFill>
+        <p:spPr>
+          <a:xfrm>
+            <a:off x="660103" y="3048000"/>
+            <a:ext cx="2167974" cy="2624666"/>
+          </a:xfrm>
+          <a:prstGeom prst="rect">
+            <a:avLst/>
+          </a:prstGeom>
+          <a:noFill/>
+        </p:spPr>
+      </p:pic>
+      <p:sp>
+        <p:nvSpPr>
+          <p:cNvPr id="9" name="TextBox 8">
+            <a:extLst>
+              <a:ext uri="{FF2B5EF4-FFF2-40B4-BE49-F238E27FC236}">
+                <a16:creationId xmlns:a16="http://schemas.microsoft.com/office/drawing/2014/main" id="{CEFC7C33-5FD6-40DB-B49F-8A5485C9E464}"/>
+              </a:ext>
+            </a:extLst>
+          </p:cNvPr>
+          <p:cNvSpPr txBox="1"/>
+          <p:nvPr/>
+        </p:nvSpPr>
+        <p:spPr>
+          <a:xfrm>
+            <a:off x="3810000" y="621916"/>
+            <a:ext cx="5257800" cy="3416320"/>
+          </a:xfrm>
+          <a:prstGeom prst="rect">
+            <a:avLst/>
+          </a:prstGeom>
+          <a:noFill/>
+        </p:spPr>
+        <p:txBody>
+          <a:bodyPr wrap="square" rtlCol="0">
+            <a:spAutoFit/>
+          </a:bodyPr>
+          <a:lstStyle/>
+          <a:p>
+            <a:pPr marL="342900" marR="0" lvl="0" indent="-342900" algn="l" defTabSz="457200" rtl="0" eaLnBrk="1" fontAlgn="base" latinLnBrk="0" hangingPunct="1">
+              <a:lnSpc>
+                <a:spcPct val="100000"/>
+              </a:lnSpc>
+              <a:spcBef>
+                <a:spcPct val="0"/>
+              </a:spcBef>
+              <a:spcAft>
+                <a:spcPct val="0"/>
+              </a:spcAft>
+              <a:buClrTx/>
+              <a:buSzTx/>
+              <a:buFont typeface="Arial" panose="020B0604020202020204" pitchFamily="34" charset="0"/>
+              <a:buChar char="•"/>
+              <a:tabLst/>
+              <a:defRPr/>
+            </a:pPr>
+            <a:r>
+              <a:rPr lang="en-US" dirty="0">
+                <a:solidFill>
+                  <a:srgbClr val="404040"/>
+                </a:solidFill>
+              </a:rPr>
+              <a:t>Cut Function</a:t>
+            </a:r>
+          </a:p>
+          <a:p>
+            <a:pPr marL="800100" lvl="1" indent="-342900">
+              <a:buFont typeface="Arial" panose="020B0604020202020204" pitchFamily="34" charset="0"/>
+              <a:buChar char="•"/>
+              <a:defRPr/>
+            </a:pPr>
+            <a:r>
+              <a:rPr lang="en-US" dirty="0">
+                <a:solidFill>
+                  <a:srgbClr val="404040"/>
+                </a:solidFill>
+              </a:rPr>
+              <a:t>Convert Numeric to Factor</a:t>
+            </a:r>
+          </a:p>
+          <a:p>
+            <a:pPr marL="800100" lvl="1" indent="-342900">
+              <a:buFont typeface="Arial" panose="020B0604020202020204" pitchFamily="34" charset="0"/>
+              <a:buChar char="•"/>
+              <a:defRPr/>
+            </a:pPr>
+            <a:r>
+              <a:rPr lang="en-US" dirty="0">
+                <a:solidFill>
+                  <a:srgbClr val="404040"/>
+                </a:solidFill>
+              </a:rPr>
+              <a:t>Syntax</a:t>
+            </a:r>
+          </a:p>
+          <a:p>
+            <a:pPr marL="800100" lvl="1" indent="-342900">
+              <a:buFont typeface="Arial" panose="020B0604020202020204" pitchFamily="34" charset="0"/>
+              <a:buChar char="•"/>
+              <a:defRPr/>
+            </a:pPr>
+            <a:endParaRPr lang="en-US" dirty="0">
+              <a:solidFill>
+                <a:srgbClr val="404040"/>
+              </a:solidFill>
+            </a:endParaRPr>
+          </a:p>
+          <a:p>
+            <a:pPr marL="800100" lvl="1" indent="-342900">
+              <a:buFont typeface="Arial" panose="020B0604020202020204" pitchFamily="34" charset="0"/>
+              <a:buChar char="•"/>
+              <a:defRPr/>
+            </a:pPr>
+            <a:endParaRPr lang="en-US" dirty="0">
+              <a:solidFill>
+                <a:srgbClr val="404040"/>
+              </a:solidFill>
+            </a:endParaRPr>
+          </a:p>
+          <a:p>
+            <a:pPr marL="800100" lvl="1" indent="-342900">
+              <a:buFont typeface="Arial" panose="020B0604020202020204" pitchFamily="34" charset="0"/>
+              <a:buChar char="•"/>
+              <a:defRPr/>
+            </a:pPr>
+            <a:r>
+              <a:rPr lang="en-US" dirty="0">
+                <a:solidFill>
+                  <a:srgbClr val="404040"/>
+                </a:solidFill>
+              </a:rPr>
+              <a:t>Useful In Visuals and Summary</a:t>
+            </a:r>
+          </a:p>
+          <a:p>
+            <a:pPr marL="800100" lvl="1" indent="-342900">
+              <a:buFont typeface="Arial" panose="020B0604020202020204" pitchFamily="34" charset="0"/>
+              <a:buChar char="•"/>
+              <a:defRPr/>
+            </a:pPr>
+            <a:endParaRPr lang="en-US" dirty="0">
+              <a:solidFill>
+                <a:srgbClr val="404040"/>
+              </a:solidFill>
+            </a:endParaRPr>
+          </a:p>
+          <a:p>
+            <a:pPr marL="342900" indent="-342900">
+              <a:buFont typeface="Arial" panose="020B0604020202020204" pitchFamily="34" charset="0"/>
+              <a:buChar char="•"/>
+              <a:defRPr/>
+            </a:pPr>
+            <a:r>
+              <a:rPr lang="en-US" dirty="0">
+                <a:solidFill>
+                  <a:srgbClr val="404040"/>
+                </a:solidFill>
+              </a:rPr>
+              <a:t>Example 1: New Age Variable</a:t>
+            </a:r>
+          </a:p>
+          <a:p>
+            <a:pPr marL="800100" lvl="1" indent="-342900">
+              <a:buFont typeface="Arial" panose="020B0604020202020204" pitchFamily="34" charset="0"/>
+              <a:buChar char="•"/>
+              <a:defRPr/>
+            </a:pPr>
+            <a:endParaRPr lang="en-US" dirty="0">
+              <a:solidFill>
+                <a:srgbClr val="404040"/>
+              </a:solidFill>
+            </a:endParaRPr>
+          </a:p>
+        </p:txBody>
+      </p:sp>
+      <p:sp>
+        <p:nvSpPr>
+          <p:cNvPr id="4" name="TextBox 3">
+            <a:extLst>
+              <a:ext uri="{FF2B5EF4-FFF2-40B4-BE49-F238E27FC236}">
+                <a16:creationId xmlns:a16="http://schemas.microsoft.com/office/drawing/2014/main" id="{67F06831-7746-4F2F-8D35-080893FD9D70}"/>
+              </a:ext>
+            </a:extLst>
+          </p:cNvPr>
+          <p:cNvSpPr txBox="1"/>
+          <p:nvPr/>
+        </p:nvSpPr>
+        <p:spPr>
+          <a:xfrm>
+            <a:off x="4710147" y="1826365"/>
+            <a:ext cx="4267200" cy="461665"/>
+          </a:xfrm>
+          <a:prstGeom prst="rect">
+            <a:avLst/>
+          </a:prstGeom>
+          <a:solidFill>
+            <a:srgbClr val="404040"/>
+          </a:solidFill>
+          <a:ln>
+            <a:solidFill>
+              <a:srgbClr val="404040"/>
+            </a:solidFill>
+          </a:ln>
+        </p:spPr>
+        <p:txBody>
+          <a:bodyPr wrap="square" rtlCol="0">
+            <a:spAutoFit/>
+          </a:bodyPr>
+          <a:lstStyle/>
+          <a:p>
+            <a:r>
+              <a:rPr lang="en-US" dirty="0">
+                <a:solidFill>
+                  <a:schemeClr val="bg1"/>
+                </a:solidFill>
+              </a:rPr>
+              <a:t>&gt; cut(VARIABLE, # of Breaks)</a:t>
+            </a:r>
+          </a:p>
+        </p:txBody>
+      </p:sp>
+      <p:pic>
+        <p:nvPicPr>
+          <p:cNvPr id="5" name="Picture 4">
+            <a:extLst>
+              <a:ext uri="{FF2B5EF4-FFF2-40B4-BE49-F238E27FC236}">
+                <a16:creationId xmlns:a16="http://schemas.microsoft.com/office/drawing/2014/main" id="{953D39E5-3B26-491B-9272-1FC1B1DD29E8}"/>
+              </a:ext>
+            </a:extLst>
+          </p:cNvPr>
+          <p:cNvPicPr>
+            <a:picLocks noChangeAspect="1"/>
+          </p:cNvPicPr>
+          <p:nvPr/>
+        </p:nvPicPr>
+        <p:blipFill>
+          <a:blip r:embed="rId4"/>
+          <a:stretch>
+            <a:fillRect/>
+          </a:stretch>
+        </p:blipFill>
+        <p:spPr>
+          <a:xfrm>
+            <a:off x="3601661" y="3657600"/>
+            <a:ext cx="5466139" cy="2135689"/>
+          </a:xfrm>
+          <a:prstGeom prst="rect">
+            <a:avLst/>
+          </a:prstGeom>
+          <a:ln>
+            <a:solidFill>
+              <a:srgbClr val="404040"/>
+            </a:solidFill>
+          </a:ln>
+        </p:spPr>
+        <p:style>
+          <a:lnRef idx="2">
+            <a:schemeClr val="dk1"/>
+          </a:lnRef>
+          <a:fillRef idx="1">
+            <a:schemeClr val="lt1"/>
+          </a:fillRef>
+          <a:effectRef idx="0">
+            <a:schemeClr val="dk1"/>
+          </a:effectRef>
+          <a:fontRef idx="minor">
+            <a:schemeClr val="dk1"/>
+          </a:fontRef>
+        </p:style>
+      </p:pic>
+      <p:pic>
+        <p:nvPicPr>
+          <p:cNvPr id="6" name="Picture 5">
+            <a:extLst>
+              <a:ext uri="{FF2B5EF4-FFF2-40B4-BE49-F238E27FC236}">
+                <a16:creationId xmlns:a16="http://schemas.microsoft.com/office/drawing/2014/main" id="{DB644783-C64E-4EF9-BEAB-3AD04FB062A0}"/>
+              </a:ext>
+            </a:extLst>
+          </p:cNvPr>
+          <p:cNvPicPr>
+            <a:picLocks noChangeAspect="1"/>
+          </p:cNvPicPr>
+          <p:nvPr/>
+        </p:nvPicPr>
+        <p:blipFill>
+          <a:blip r:embed="rId5"/>
+          <a:stretch>
+            <a:fillRect/>
+          </a:stretch>
+        </p:blipFill>
+        <p:spPr>
+          <a:xfrm>
+            <a:off x="4599958" y="5889901"/>
+            <a:ext cx="4472430" cy="897381"/>
+          </a:xfrm>
+          <a:prstGeom prst="rect">
+            <a:avLst/>
+          </a:prstGeom>
+          <a:ln>
+            <a:solidFill>
+              <a:srgbClr val="404040"/>
+            </a:solidFill>
+          </a:ln>
+        </p:spPr>
+        <p:style>
+          <a:lnRef idx="2">
+            <a:schemeClr val="dk1"/>
+          </a:lnRef>
+          <a:fillRef idx="1">
+            <a:schemeClr val="lt1"/>
+          </a:fillRef>
+          <a:effectRef idx="0">
+            <a:schemeClr val="dk1"/>
+          </a:effectRef>
+          <a:fontRef idx="minor">
+            <a:schemeClr val="dk1"/>
+          </a:fontRef>
+        </p:style>
+      </p:pic>
+    </p:spTree>
+    <p:custDataLst>
+      <p:tags r:id="rId1"/>
+    </p:custDataLst>
+    <p:extLst>
+      <p:ext uri="{BB962C8B-B14F-4D97-AF65-F5344CB8AC3E}">
+        <p14:creationId xmlns:p14="http://schemas.microsoft.com/office/powerpoint/2010/main" val="3877409149"/>
+      </p:ext>
+    </p:extLst>
+  </p:cSld>
+  <p:clrMapOvr>
+    <a:masterClrMapping/>
+  </p:clrMapOvr>
+</p:sld>
+</file>
+
+<file path=ppt/slides/slide37.xml><?xml version="1.0" encoding="utf-8"?>
+<p:sld xmlns:a="http://schemas.openxmlformats.org/drawingml/2006/main" xmlns:r="http://schemas.openxmlformats.org/officeDocument/2006/relationships" xmlns:p="http://schemas.openxmlformats.org/presentationml/2006/main">
+  <p:cSld>
+    <p:bg>
+      <p:bgPr>
+        <a:solidFill>
+          <a:schemeClr val="bg1">
+            <a:lumMod val="85000"/>
+          </a:schemeClr>
+        </a:solidFill>
+        <a:effectLst/>
+      </p:bgPr>
+    </p:bg>
+    <p:spTree>
+      <p:nvGrpSpPr>
+        <p:cNvPr id="1" name=""/>
+        <p:cNvGrpSpPr/>
+        <p:nvPr/>
+      </p:nvGrpSpPr>
+      <p:grpSpPr>
+        <a:xfrm>
+          <a:off x="0" y="0"/>
+          <a:ext cx="0" cy="0"/>
+          <a:chOff x="0" y="0"/>
+          <a:chExt cx="0" cy="0"/>
+        </a:xfrm>
+      </p:grpSpPr>
+      <p:sp>
+        <p:nvSpPr>
+          <p:cNvPr id="15" name="Rectangle 12">
+            <a:extLst>
+              <a:ext uri="{FF2B5EF4-FFF2-40B4-BE49-F238E27FC236}">
+                <a16:creationId xmlns:a16="http://schemas.microsoft.com/office/drawing/2014/main" id="{867D4867-5BA7-4462-B2F6-A23F4A622AA7}"/>
+              </a:ext>
+              <a:ext uri="{C183D7F6-B498-43B3-948B-1728B52AA6E4}">
+                <adec:decorative xmlns:adec="http://schemas.microsoft.com/office/drawing/2017/decorative" val="1"/>
+              </a:ext>
+            </a:extLst>
+          </p:cNvPr>
+          <p:cNvSpPr>
+            <a:spLocks noGrp="1" noRot="1" noChangeAspect="1" noMove="1" noResize="1" noEditPoints="1" noAdjustHandles="1" noChangeArrowheads="1" noChangeShapeType="1" noTextEdit="1"/>
+          </p:cNvSpPr>
+          <p:nvPr>
+            <p:extLst>
+              <p:ext uri="{386F3935-93C4-4BCD-93E2-E3B085C9AB24}">
+                <p16:designElem xmlns:p16="http://schemas.microsoft.com/office/powerpoint/2015/main" val="1"/>
+              </p:ext>
+            </p:extLst>
+          </p:nvPr>
+        </p:nvSpPr>
+        <p:spPr>
+          <a:xfrm>
+            <a:off x="0" y="0"/>
+            <a:ext cx="3490722" cy="6858000"/>
+          </a:xfrm>
+          <a:prstGeom prst="rect">
+            <a:avLst/>
+          </a:prstGeom>
+          <a:solidFill>
+            <a:schemeClr val="tx1">
+              <a:lumMod val="75000"/>
+              <a:lumOff val="25000"/>
+            </a:schemeClr>
+          </a:solidFill>
+          <a:ln>
+            <a:noFill/>
+          </a:ln>
+        </p:spPr>
+        <p:style>
+          <a:lnRef idx="0">
+            <a:scrgbClr r="0" g="0" b="0"/>
+          </a:lnRef>
+          <a:fillRef idx="0">
+            <a:scrgbClr r="0" g="0" b="0"/>
+          </a:fillRef>
+          <a:effectRef idx="0">
+            <a:scrgbClr r="0" g="0" b="0"/>
+          </a:effectRef>
+          <a:fontRef idx="minor">
+            <a:schemeClr val="lt1"/>
+          </a:fontRef>
+        </p:style>
+        <p:txBody>
+          <a:bodyPr rtlCol="0" anchor="ctr"/>
+          <a:lstStyle/>
+          <a:p>
+            <a:pPr marL="0" marR="0" lvl="0" indent="0" algn="ctr" defTabSz="457200" rtl="0" eaLnBrk="1" fontAlgn="base" latinLnBrk="0" hangingPunct="1">
+              <a:lnSpc>
+                <a:spcPct val="100000"/>
+              </a:lnSpc>
+              <a:spcBef>
+                <a:spcPct val="0"/>
+              </a:spcBef>
+              <a:spcAft>
+                <a:spcPct val="0"/>
+              </a:spcAft>
+              <a:buClrTx/>
+              <a:buSzTx/>
+              <a:buFontTx/>
+              <a:buNone/>
+              <a:tabLst/>
+              <a:defRPr/>
+            </a:pPr>
+            <a:endParaRPr kumimoji="0" lang="en-US" sz="2400" b="0" i="0" u="none" strike="noStrike" kern="1200" cap="none" spc="0" normalizeH="0" baseline="0" noProof="0">
+              <a:ln>
+                <a:noFill/>
+              </a:ln>
+              <a:solidFill>
+                <a:prstClr val="white"/>
+              </a:solidFill>
+              <a:effectLst/>
+              <a:uLnTx/>
+              <a:uFillTx/>
+              <a:latin typeface="Calibri"/>
+              <a:ea typeface="+mn-ea"/>
+              <a:cs typeface="+mn-cs"/>
+            </a:endParaRPr>
+          </a:p>
+        </p:txBody>
+      </p:sp>
+      <p:sp>
+        <p:nvSpPr>
+          <p:cNvPr id="2" name="Title 1"/>
+          <p:cNvSpPr>
+            <a:spLocks noGrp="1"/>
+          </p:cNvSpPr>
+          <p:nvPr>
+            <p:ph type="title"/>
+          </p:nvPr>
+        </p:nvSpPr>
+        <p:spPr>
+          <a:xfrm>
+            <a:off x="482600" y="643467"/>
+            <a:ext cx="2522980" cy="1597315"/>
+          </a:xfrm>
+          <a:noFill/>
+          <a:ln w="19050">
+            <a:solidFill>
+              <a:schemeClr val="bg1"/>
+            </a:solidFill>
+          </a:ln>
+        </p:spPr>
+        <p:txBody>
+          <a:bodyPr vert="horz" wrap="square" lIns="91440" tIns="45720" rIns="91440" bIns="45720" rtlCol="0" anchor="ctr">
+            <a:normAutofit/>
+          </a:bodyPr>
+          <a:lstStyle/>
+          <a:p>
+            <a:pPr defTabSz="914400" eaLnBrk="1" hangingPunct="1">
+              <a:lnSpc>
+                <a:spcPct val="90000"/>
+              </a:lnSpc>
+            </a:pPr>
+            <a:r>
+              <a:rPr lang="en-US" sz="2400" kern="1200" dirty="0">
+                <a:solidFill>
+                  <a:schemeClr val="bg1"/>
+                </a:solidFill>
+                <a:latin typeface="+mj-lt"/>
+                <a:ea typeface="+mj-ea"/>
+                <a:cs typeface="+mj-cs"/>
+              </a:rPr>
+              <a:t>Level 6: Numeric to Factor</a:t>
+            </a:r>
+          </a:p>
+        </p:txBody>
+      </p:sp>
+      <p:pic>
+        <p:nvPicPr>
+          <p:cNvPr id="8" name="Picture 7">
+            <a:extLst>
+              <a:ext uri="{FF2B5EF4-FFF2-40B4-BE49-F238E27FC236}">
+                <a16:creationId xmlns:a16="http://schemas.microsoft.com/office/drawing/2014/main" id="{521D4292-9ECC-4DA5-8CC0-C561A0DA118E}"/>
+              </a:ext>
+            </a:extLst>
+          </p:cNvPr>
+          <p:cNvPicPr>
+            <a:picLocks noChangeAspect="1"/>
+          </p:cNvPicPr>
+          <p:nvPr/>
+        </p:nvPicPr>
+        <p:blipFill rotWithShape="1">
+          <a:blip r:embed="rId3"/>
+          <a:srcRect l="8000" r="9400"/>
+          <a:stretch/>
+        </p:blipFill>
+        <p:spPr>
+          <a:xfrm>
+            <a:off x="660103" y="3048000"/>
+            <a:ext cx="2167974" cy="2624666"/>
+          </a:xfrm>
+          <a:prstGeom prst="rect">
+            <a:avLst/>
+          </a:prstGeom>
+          <a:noFill/>
+        </p:spPr>
+      </p:pic>
+      <p:sp>
+        <p:nvSpPr>
+          <p:cNvPr id="9" name="TextBox 8">
+            <a:extLst>
+              <a:ext uri="{FF2B5EF4-FFF2-40B4-BE49-F238E27FC236}">
+                <a16:creationId xmlns:a16="http://schemas.microsoft.com/office/drawing/2014/main" id="{CEFC7C33-5FD6-40DB-B49F-8A5485C9E464}"/>
+              </a:ext>
+            </a:extLst>
+          </p:cNvPr>
+          <p:cNvSpPr txBox="1"/>
+          <p:nvPr/>
+        </p:nvSpPr>
+        <p:spPr>
+          <a:xfrm>
+            <a:off x="3810000" y="621916"/>
+            <a:ext cx="5257800" cy="3785652"/>
+          </a:xfrm>
+          <a:prstGeom prst="rect">
+            <a:avLst/>
+          </a:prstGeom>
+          <a:noFill/>
+        </p:spPr>
+        <p:txBody>
+          <a:bodyPr wrap="square" rtlCol="0">
+            <a:spAutoFit/>
+          </a:bodyPr>
+          <a:lstStyle/>
+          <a:p>
+            <a:pPr marL="342900" marR="0" lvl="0" indent="-342900" algn="l" defTabSz="457200" rtl="0" eaLnBrk="1" fontAlgn="base" latinLnBrk="0" hangingPunct="1">
+              <a:lnSpc>
+                <a:spcPct val="100000"/>
+              </a:lnSpc>
+              <a:spcBef>
+                <a:spcPct val="0"/>
+              </a:spcBef>
+              <a:spcAft>
+                <a:spcPct val="0"/>
+              </a:spcAft>
+              <a:buClrTx/>
+              <a:buSzTx/>
+              <a:buFont typeface="Arial" panose="020B0604020202020204" pitchFamily="34" charset="0"/>
+              <a:buChar char="•"/>
+              <a:tabLst/>
+              <a:defRPr/>
+            </a:pPr>
+            <a:r>
+              <a:rPr lang="en-US" dirty="0">
+                <a:solidFill>
+                  <a:srgbClr val="404040"/>
+                </a:solidFill>
+              </a:rPr>
+              <a:t>Example 2: Make It Pretty</a:t>
+            </a:r>
+          </a:p>
+          <a:p>
+            <a:pPr marL="342900" marR="0" lvl="0" indent="-342900" algn="l" defTabSz="457200" rtl="0" eaLnBrk="1" fontAlgn="base" latinLnBrk="0" hangingPunct="1">
+              <a:lnSpc>
+                <a:spcPct val="100000"/>
+              </a:lnSpc>
+              <a:spcBef>
+                <a:spcPct val="0"/>
+              </a:spcBef>
+              <a:spcAft>
+                <a:spcPct val="0"/>
+              </a:spcAft>
+              <a:buClrTx/>
+              <a:buSzTx/>
+              <a:buFont typeface="Arial" panose="020B0604020202020204" pitchFamily="34" charset="0"/>
+              <a:buChar char="•"/>
+              <a:tabLst/>
+              <a:defRPr/>
+            </a:pPr>
+            <a:endParaRPr lang="en-US" dirty="0">
+              <a:solidFill>
+                <a:srgbClr val="404040"/>
+              </a:solidFill>
+            </a:endParaRPr>
+          </a:p>
+          <a:p>
+            <a:pPr marL="342900" marR="0" lvl="0" indent="-342900" algn="l" defTabSz="457200" rtl="0" eaLnBrk="1" fontAlgn="base" latinLnBrk="0" hangingPunct="1">
+              <a:lnSpc>
+                <a:spcPct val="100000"/>
+              </a:lnSpc>
+              <a:spcBef>
+                <a:spcPct val="0"/>
+              </a:spcBef>
+              <a:spcAft>
+                <a:spcPct val="0"/>
+              </a:spcAft>
+              <a:buClrTx/>
+              <a:buSzTx/>
+              <a:buFont typeface="Arial" panose="020B0604020202020204" pitchFamily="34" charset="0"/>
+              <a:buChar char="•"/>
+              <a:tabLst/>
+              <a:defRPr/>
+            </a:pPr>
+            <a:endParaRPr lang="en-US" dirty="0">
+              <a:solidFill>
+                <a:srgbClr val="404040"/>
+              </a:solidFill>
+            </a:endParaRPr>
+          </a:p>
+          <a:p>
+            <a:pPr marL="342900" marR="0" lvl="0" indent="-342900" algn="l" defTabSz="457200" rtl="0" eaLnBrk="1" fontAlgn="base" latinLnBrk="0" hangingPunct="1">
+              <a:lnSpc>
+                <a:spcPct val="100000"/>
+              </a:lnSpc>
+              <a:spcBef>
+                <a:spcPct val="0"/>
+              </a:spcBef>
+              <a:spcAft>
+                <a:spcPct val="0"/>
+              </a:spcAft>
+              <a:buClrTx/>
+              <a:buSzTx/>
+              <a:buFont typeface="Arial" panose="020B0604020202020204" pitchFamily="34" charset="0"/>
+              <a:buChar char="•"/>
+              <a:tabLst/>
+              <a:defRPr/>
+            </a:pPr>
+            <a:endParaRPr lang="en-US" dirty="0">
+              <a:solidFill>
+                <a:srgbClr val="404040"/>
+              </a:solidFill>
+            </a:endParaRPr>
+          </a:p>
+          <a:p>
+            <a:pPr marL="342900" marR="0" lvl="0" indent="-342900" algn="l" defTabSz="457200" rtl="0" eaLnBrk="1" fontAlgn="base" latinLnBrk="0" hangingPunct="1">
+              <a:lnSpc>
+                <a:spcPct val="100000"/>
+              </a:lnSpc>
+              <a:spcBef>
+                <a:spcPct val="0"/>
+              </a:spcBef>
+              <a:spcAft>
+                <a:spcPct val="0"/>
+              </a:spcAft>
+              <a:buClrTx/>
+              <a:buSzTx/>
+              <a:buFont typeface="Arial" panose="020B0604020202020204" pitchFamily="34" charset="0"/>
+              <a:buChar char="•"/>
+              <a:tabLst/>
+              <a:defRPr/>
+            </a:pPr>
+            <a:endParaRPr lang="en-US" dirty="0">
+              <a:solidFill>
+                <a:srgbClr val="404040"/>
+              </a:solidFill>
+            </a:endParaRPr>
+          </a:p>
+          <a:p>
+            <a:pPr marL="342900" marR="0" lvl="0" indent="-342900" algn="l" defTabSz="457200" rtl="0" eaLnBrk="1" fontAlgn="base" latinLnBrk="0" hangingPunct="1">
+              <a:lnSpc>
+                <a:spcPct val="100000"/>
+              </a:lnSpc>
+              <a:spcBef>
+                <a:spcPct val="0"/>
+              </a:spcBef>
+              <a:spcAft>
+                <a:spcPct val="0"/>
+              </a:spcAft>
+              <a:buClrTx/>
+              <a:buSzTx/>
+              <a:buFont typeface="Arial" panose="020B0604020202020204" pitchFamily="34" charset="0"/>
+              <a:buChar char="•"/>
+              <a:tabLst/>
+              <a:defRPr/>
+            </a:pPr>
+            <a:endParaRPr lang="en-US" dirty="0">
+              <a:solidFill>
+                <a:srgbClr val="404040"/>
+              </a:solidFill>
+            </a:endParaRPr>
+          </a:p>
+          <a:p>
+            <a:pPr marL="342900" marR="0" lvl="0" indent="-342900" algn="l" defTabSz="457200" rtl="0" eaLnBrk="1" fontAlgn="base" latinLnBrk="0" hangingPunct="1">
+              <a:lnSpc>
+                <a:spcPct val="100000"/>
+              </a:lnSpc>
+              <a:spcBef>
+                <a:spcPct val="0"/>
+              </a:spcBef>
+              <a:spcAft>
+                <a:spcPct val="0"/>
+              </a:spcAft>
+              <a:buClrTx/>
+              <a:buSzTx/>
+              <a:buFont typeface="Arial" panose="020B0604020202020204" pitchFamily="34" charset="0"/>
+              <a:buChar char="•"/>
+              <a:tabLst/>
+              <a:defRPr/>
+            </a:pPr>
+            <a:endParaRPr lang="en-US" dirty="0">
+              <a:solidFill>
+                <a:srgbClr val="404040"/>
+              </a:solidFill>
+            </a:endParaRPr>
+          </a:p>
+          <a:p>
+            <a:pPr marR="0" lvl="0" algn="l" defTabSz="457200" rtl="0" eaLnBrk="1" fontAlgn="base" latinLnBrk="0" hangingPunct="1">
+              <a:lnSpc>
+                <a:spcPct val="100000"/>
+              </a:lnSpc>
+              <a:spcBef>
+                <a:spcPct val="0"/>
+              </a:spcBef>
+              <a:spcAft>
+                <a:spcPct val="0"/>
+              </a:spcAft>
+              <a:buClrTx/>
+              <a:buSzTx/>
+              <a:tabLst/>
+              <a:defRPr/>
+            </a:pPr>
+            <a:endParaRPr lang="en-US" dirty="0">
+              <a:solidFill>
+                <a:srgbClr val="404040"/>
+              </a:solidFill>
+            </a:endParaRPr>
+          </a:p>
+          <a:p>
+            <a:pPr marL="342900" marR="0" lvl="0" indent="-342900" algn="l" defTabSz="457200" rtl="0" eaLnBrk="1" fontAlgn="base" latinLnBrk="0" hangingPunct="1">
+              <a:lnSpc>
+                <a:spcPct val="100000"/>
+              </a:lnSpc>
+              <a:spcBef>
+                <a:spcPct val="0"/>
+              </a:spcBef>
+              <a:spcAft>
+                <a:spcPct val="0"/>
+              </a:spcAft>
+              <a:buClrTx/>
+              <a:buSzTx/>
+              <a:buFont typeface="Arial" panose="020B0604020202020204" pitchFamily="34" charset="0"/>
+              <a:buChar char="•"/>
+              <a:tabLst/>
+              <a:defRPr/>
+            </a:pPr>
+            <a:r>
+              <a:rPr lang="en-US" dirty="0">
+                <a:solidFill>
+                  <a:srgbClr val="404040"/>
+                </a:solidFill>
+              </a:rPr>
+              <a:t>Example 3: Label Levels</a:t>
+            </a:r>
+          </a:p>
+          <a:p>
+            <a:pPr marL="800100" lvl="1" indent="-342900">
+              <a:buFont typeface="Arial" panose="020B0604020202020204" pitchFamily="34" charset="0"/>
+              <a:buChar char="•"/>
+              <a:defRPr/>
+            </a:pPr>
+            <a:endParaRPr lang="en-US" dirty="0">
+              <a:solidFill>
+                <a:srgbClr val="404040"/>
+              </a:solidFill>
+            </a:endParaRPr>
+          </a:p>
+        </p:txBody>
+      </p:sp>
+      <p:pic>
+        <p:nvPicPr>
+          <p:cNvPr id="3" name="Picture 2">
+            <a:extLst>
+              <a:ext uri="{FF2B5EF4-FFF2-40B4-BE49-F238E27FC236}">
+                <a16:creationId xmlns:a16="http://schemas.microsoft.com/office/drawing/2014/main" id="{56037ED2-8BE8-4D99-B34F-0D4DEBE774D2}"/>
+              </a:ext>
+            </a:extLst>
+          </p:cNvPr>
+          <p:cNvPicPr>
+            <a:picLocks noChangeAspect="1"/>
+          </p:cNvPicPr>
+          <p:nvPr/>
+        </p:nvPicPr>
+        <p:blipFill>
+          <a:blip r:embed="rId4"/>
+          <a:stretch>
+            <a:fillRect/>
+          </a:stretch>
+        </p:blipFill>
+        <p:spPr>
+          <a:xfrm>
+            <a:off x="3581400" y="1129844"/>
+            <a:ext cx="5486400" cy="1255690"/>
+          </a:xfrm>
+          <a:prstGeom prst="rect">
+            <a:avLst/>
+          </a:prstGeom>
+          <a:ln>
+            <a:solidFill>
+              <a:srgbClr val="404040"/>
+            </a:solidFill>
+          </a:ln>
+        </p:spPr>
+        <p:style>
+          <a:lnRef idx="2">
+            <a:schemeClr val="dk1"/>
+          </a:lnRef>
+          <a:fillRef idx="1">
+            <a:schemeClr val="lt1"/>
+          </a:fillRef>
+          <a:effectRef idx="0">
+            <a:schemeClr val="dk1"/>
+          </a:effectRef>
+          <a:fontRef idx="minor">
+            <a:schemeClr val="dk1"/>
+          </a:fontRef>
+        </p:style>
+      </p:pic>
+      <p:sp>
+        <p:nvSpPr>
+          <p:cNvPr id="7" name="Arrow: Down 6">
+            <a:extLst>
+              <a:ext uri="{FF2B5EF4-FFF2-40B4-BE49-F238E27FC236}">
+                <a16:creationId xmlns:a16="http://schemas.microsoft.com/office/drawing/2014/main" id="{398CA4EA-AA24-47CA-9CDC-06CB4692AD9D}"/>
+              </a:ext>
+            </a:extLst>
+          </p:cNvPr>
+          <p:cNvSpPr/>
+          <p:nvPr/>
+        </p:nvSpPr>
+        <p:spPr>
+          <a:xfrm rot="10800000">
+            <a:off x="6097645" y="2514600"/>
+            <a:ext cx="381000" cy="321059"/>
+          </a:xfrm>
+          <a:prstGeom prst="downArrow">
+            <a:avLst/>
+          </a:prstGeom>
+          <a:solidFill>
+            <a:srgbClr val="404040"/>
+          </a:solidFill>
+          <a:ln>
+            <a:solidFill>
+              <a:srgbClr val="404040"/>
+            </a:solidFill>
+          </a:ln>
+        </p:spPr>
+        <p:style>
+          <a:lnRef idx="2">
+            <a:schemeClr val="dk1"/>
+          </a:lnRef>
+          <a:fillRef idx="1">
+            <a:schemeClr val="lt1"/>
+          </a:fillRef>
+          <a:effectRef idx="0">
+            <a:schemeClr val="dk1"/>
+          </a:effectRef>
+          <a:fontRef idx="minor">
+            <a:schemeClr val="dk1"/>
+          </a:fontRef>
+        </p:style>
+        <p:txBody>
+          <a:bodyPr rtlCol="0" anchor="ctr"/>
+          <a:lstStyle/>
+          <a:p>
+            <a:pPr algn="ctr"/>
+            <a:endParaRPr lang="en-US"/>
+          </a:p>
+        </p:txBody>
+      </p:sp>
+      <p:sp>
+        <p:nvSpPr>
+          <p:cNvPr id="11" name="TextBox 10">
+            <a:extLst>
+              <a:ext uri="{FF2B5EF4-FFF2-40B4-BE49-F238E27FC236}">
+                <a16:creationId xmlns:a16="http://schemas.microsoft.com/office/drawing/2014/main" id="{FD9A56C8-F8EB-45E6-93E0-E35FE3CD503C}"/>
+              </a:ext>
+            </a:extLst>
+          </p:cNvPr>
+          <p:cNvSpPr txBox="1"/>
+          <p:nvPr/>
+        </p:nvSpPr>
+        <p:spPr>
+          <a:xfrm>
+            <a:off x="6021445" y="2853377"/>
+            <a:ext cx="2462452" cy="461665"/>
+          </a:xfrm>
+          <a:prstGeom prst="rect">
+            <a:avLst/>
+          </a:prstGeom>
+          <a:noFill/>
+          <a:ln>
+            <a:solidFill>
+              <a:srgbClr val="404040"/>
+            </a:solidFill>
+          </a:ln>
+        </p:spPr>
+        <p:style>
+          <a:lnRef idx="2">
+            <a:schemeClr val="dk1"/>
+          </a:lnRef>
+          <a:fillRef idx="1">
+            <a:schemeClr val="lt1"/>
+          </a:fillRef>
+          <a:effectRef idx="0">
+            <a:schemeClr val="dk1"/>
+          </a:effectRef>
+          <a:fontRef idx="minor">
+            <a:schemeClr val="dk1"/>
+          </a:fontRef>
+        </p:style>
+        <p:txBody>
+          <a:bodyPr wrap="square" rtlCol="0">
+            <a:spAutoFit/>
+          </a:bodyPr>
+          <a:lstStyle/>
+          <a:p>
+            <a:r>
+              <a:rPr lang="en-US" dirty="0"/>
+              <a:t>What Happened?</a:t>
+            </a:r>
+          </a:p>
+        </p:txBody>
+      </p:sp>
+      <p:pic>
+        <p:nvPicPr>
+          <p:cNvPr id="14" name="Picture 13">
+            <a:extLst>
+              <a:ext uri="{FF2B5EF4-FFF2-40B4-BE49-F238E27FC236}">
+                <a16:creationId xmlns:a16="http://schemas.microsoft.com/office/drawing/2014/main" id="{2429A664-8F8C-4F00-9B1B-BED39F0C49FF}"/>
+              </a:ext>
+            </a:extLst>
+          </p:cNvPr>
+          <p:cNvPicPr>
+            <a:picLocks noChangeAspect="1"/>
+          </p:cNvPicPr>
+          <p:nvPr/>
+        </p:nvPicPr>
+        <p:blipFill>
+          <a:blip r:embed="rId5"/>
+          <a:stretch>
+            <a:fillRect/>
+          </a:stretch>
+        </p:blipFill>
+        <p:spPr>
+          <a:xfrm>
+            <a:off x="3586162" y="4045424"/>
+            <a:ext cx="5476875" cy="1627242"/>
+          </a:xfrm>
+          <a:prstGeom prst="rect">
+            <a:avLst/>
+          </a:prstGeom>
+          <a:ln>
+            <a:solidFill>
+              <a:srgbClr val="404040"/>
+            </a:solidFill>
+          </a:ln>
+        </p:spPr>
+        <p:style>
+          <a:lnRef idx="2">
+            <a:schemeClr val="dk1"/>
+          </a:lnRef>
+          <a:fillRef idx="1">
+            <a:schemeClr val="lt1"/>
+          </a:fillRef>
+          <a:effectRef idx="0">
+            <a:schemeClr val="dk1"/>
+          </a:effectRef>
+          <a:fontRef idx="minor">
+            <a:schemeClr val="dk1"/>
+          </a:fontRef>
+        </p:style>
+      </p:pic>
+    </p:spTree>
+    <p:custDataLst>
+      <p:tags r:id="rId1"/>
+    </p:custDataLst>
+    <p:extLst>
+      <p:ext uri="{BB962C8B-B14F-4D97-AF65-F5344CB8AC3E}">
+        <p14:creationId xmlns:p14="http://schemas.microsoft.com/office/powerpoint/2010/main" val="323482981"/>
+      </p:ext>
+    </p:extLst>
+  </p:cSld>
+  <p:clrMapOvr>
+    <a:masterClrMapping/>
+  </p:clrMapOvr>
+</p:sld>
+</file>
+
+<file path=ppt/slides/slide38.xml><?xml version="1.0" encoding="utf-8"?>
+<p:sld xmlns:a="http://schemas.openxmlformats.org/drawingml/2006/main" xmlns:r="http://schemas.openxmlformats.org/officeDocument/2006/relationships" xmlns:p="http://schemas.openxmlformats.org/presentationml/2006/main">
+  <p:cSld>
+    <p:bg>
+      <p:bgPr>
+        <a:solidFill>
+          <a:schemeClr val="bg1">
+            <a:lumMod val="85000"/>
+          </a:schemeClr>
+        </a:solidFill>
+        <a:effectLst/>
+      </p:bgPr>
+    </p:bg>
+    <p:spTree>
+      <p:nvGrpSpPr>
+        <p:cNvPr id="1" name=""/>
+        <p:cNvGrpSpPr/>
+        <p:nvPr/>
+      </p:nvGrpSpPr>
+      <p:grpSpPr>
+        <a:xfrm>
+          <a:off x="0" y="0"/>
+          <a:ext cx="0" cy="0"/>
+          <a:chOff x="0" y="0"/>
+          <a:chExt cx="0" cy="0"/>
+        </a:xfrm>
+      </p:grpSpPr>
+      <p:sp>
+        <p:nvSpPr>
+          <p:cNvPr id="15" name="Rectangle 12">
+            <a:extLst>
+              <a:ext uri="{FF2B5EF4-FFF2-40B4-BE49-F238E27FC236}">
+                <a16:creationId xmlns:a16="http://schemas.microsoft.com/office/drawing/2014/main" id="{867D4867-5BA7-4462-B2F6-A23F4A622AA7}"/>
+              </a:ext>
+              <a:ext uri="{C183D7F6-B498-43B3-948B-1728B52AA6E4}">
+                <adec:decorative xmlns:adec="http://schemas.microsoft.com/office/drawing/2017/decorative" val="1"/>
+              </a:ext>
+            </a:extLst>
+          </p:cNvPr>
+          <p:cNvSpPr>
+            <a:spLocks noGrp="1" noRot="1" noChangeAspect="1" noMove="1" noResize="1" noEditPoints="1" noAdjustHandles="1" noChangeArrowheads="1" noChangeShapeType="1" noTextEdit="1"/>
+          </p:cNvSpPr>
+          <p:nvPr>
+            <p:extLst>
+              <p:ext uri="{386F3935-93C4-4BCD-93E2-E3B085C9AB24}">
+                <p16:designElem xmlns:p16="http://schemas.microsoft.com/office/powerpoint/2015/main" val="1"/>
+              </p:ext>
+            </p:extLst>
+          </p:nvPr>
+        </p:nvSpPr>
+        <p:spPr>
+          <a:xfrm>
+            <a:off x="0" y="0"/>
+            <a:ext cx="3490722" cy="6858000"/>
+          </a:xfrm>
+          <a:prstGeom prst="rect">
+            <a:avLst/>
+          </a:prstGeom>
+          <a:solidFill>
+            <a:schemeClr val="tx1">
+              <a:lumMod val="75000"/>
+              <a:lumOff val="25000"/>
+            </a:schemeClr>
+          </a:solidFill>
+          <a:ln>
+            <a:noFill/>
+          </a:ln>
+        </p:spPr>
+        <p:style>
+          <a:lnRef idx="0">
+            <a:scrgbClr r="0" g="0" b="0"/>
+          </a:lnRef>
+          <a:fillRef idx="0">
+            <a:scrgbClr r="0" g="0" b="0"/>
+          </a:fillRef>
+          <a:effectRef idx="0">
+            <a:scrgbClr r="0" g="0" b="0"/>
+          </a:effectRef>
+          <a:fontRef idx="minor">
+            <a:schemeClr val="lt1"/>
+          </a:fontRef>
+        </p:style>
+        <p:txBody>
+          <a:bodyPr rtlCol="0" anchor="ctr"/>
+          <a:lstStyle/>
+          <a:p>
+            <a:pPr marL="0" marR="0" lvl="0" indent="0" algn="ctr" defTabSz="457200" rtl="0" eaLnBrk="1" fontAlgn="base" latinLnBrk="0" hangingPunct="1">
+              <a:lnSpc>
+                <a:spcPct val="100000"/>
+              </a:lnSpc>
+              <a:spcBef>
+                <a:spcPct val="0"/>
+              </a:spcBef>
+              <a:spcAft>
+                <a:spcPct val="0"/>
+              </a:spcAft>
+              <a:buClrTx/>
+              <a:buSzTx/>
+              <a:buFontTx/>
+              <a:buNone/>
+              <a:tabLst/>
+              <a:defRPr/>
+            </a:pPr>
+            <a:endParaRPr kumimoji="0" lang="en-US" sz="2400" b="0" i="0" u="none" strike="noStrike" kern="1200" cap="none" spc="0" normalizeH="0" baseline="0" noProof="0">
+              <a:ln>
+                <a:noFill/>
+              </a:ln>
+              <a:solidFill>
+                <a:prstClr val="white"/>
+              </a:solidFill>
+              <a:effectLst/>
+              <a:uLnTx/>
+              <a:uFillTx/>
+              <a:latin typeface="Calibri"/>
+              <a:ea typeface="+mn-ea"/>
+              <a:cs typeface="+mn-cs"/>
+            </a:endParaRPr>
+          </a:p>
+        </p:txBody>
+      </p:sp>
+      <p:sp>
+        <p:nvSpPr>
+          <p:cNvPr id="2" name="Title 1"/>
+          <p:cNvSpPr>
+            <a:spLocks noGrp="1"/>
+          </p:cNvSpPr>
+          <p:nvPr>
+            <p:ph type="title"/>
+          </p:nvPr>
+        </p:nvSpPr>
+        <p:spPr>
+          <a:xfrm>
+            <a:off x="482600" y="643467"/>
+            <a:ext cx="2522980" cy="1597315"/>
+          </a:xfrm>
+          <a:noFill/>
+          <a:ln w="19050">
+            <a:solidFill>
+              <a:schemeClr val="bg1"/>
+            </a:solidFill>
+          </a:ln>
+        </p:spPr>
+        <p:txBody>
+          <a:bodyPr vert="horz" wrap="square" lIns="91440" tIns="45720" rIns="91440" bIns="45720" rtlCol="0" anchor="ctr">
+            <a:normAutofit/>
+          </a:bodyPr>
+          <a:lstStyle/>
+          <a:p>
+            <a:pPr defTabSz="914400" eaLnBrk="1" hangingPunct="1">
+              <a:lnSpc>
+                <a:spcPct val="90000"/>
+              </a:lnSpc>
+            </a:pPr>
+            <a:r>
+              <a:rPr lang="en-US" sz="2400" kern="1200" dirty="0">
+                <a:solidFill>
+                  <a:schemeClr val="bg1"/>
+                </a:solidFill>
+                <a:latin typeface="+mj-lt"/>
+                <a:ea typeface="+mj-ea"/>
+                <a:cs typeface="+mj-cs"/>
+              </a:rPr>
+              <a:t>Level 6: Numeric to Factor</a:t>
+            </a:r>
+          </a:p>
+        </p:txBody>
+      </p:sp>
+      <p:pic>
+        <p:nvPicPr>
+          <p:cNvPr id="8" name="Picture 7">
+            <a:extLst>
+              <a:ext uri="{FF2B5EF4-FFF2-40B4-BE49-F238E27FC236}">
+                <a16:creationId xmlns:a16="http://schemas.microsoft.com/office/drawing/2014/main" id="{521D4292-9ECC-4DA5-8CC0-C561A0DA118E}"/>
+              </a:ext>
+            </a:extLst>
+          </p:cNvPr>
+          <p:cNvPicPr>
+            <a:picLocks noChangeAspect="1"/>
+          </p:cNvPicPr>
+          <p:nvPr/>
+        </p:nvPicPr>
+        <p:blipFill rotWithShape="1">
+          <a:blip r:embed="rId3"/>
+          <a:srcRect l="8000" r="9400"/>
+          <a:stretch/>
+        </p:blipFill>
+        <p:spPr>
+          <a:xfrm>
+            <a:off x="660103" y="3048000"/>
+            <a:ext cx="2167974" cy="2624666"/>
+          </a:xfrm>
+          <a:prstGeom prst="rect">
+            <a:avLst/>
+          </a:prstGeom>
+          <a:noFill/>
+        </p:spPr>
+      </p:pic>
+      <p:sp>
+        <p:nvSpPr>
+          <p:cNvPr id="9" name="TextBox 8">
+            <a:extLst>
+              <a:ext uri="{FF2B5EF4-FFF2-40B4-BE49-F238E27FC236}">
+                <a16:creationId xmlns:a16="http://schemas.microsoft.com/office/drawing/2014/main" id="{CEFC7C33-5FD6-40DB-B49F-8A5485C9E464}"/>
+              </a:ext>
+            </a:extLst>
+          </p:cNvPr>
+          <p:cNvSpPr txBox="1"/>
+          <p:nvPr/>
+        </p:nvSpPr>
+        <p:spPr>
+          <a:xfrm>
+            <a:off x="3810000" y="621916"/>
+            <a:ext cx="5257800" cy="3416320"/>
+          </a:xfrm>
+          <a:prstGeom prst="rect">
+            <a:avLst/>
+          </a:prstGeom>
+          <a:noFill/>
+        </p:spPr>
+        <p:txBody>
+          <a:bodyPr wrap="square" rtlCol="0">
+            <a:spAutoFit/>
+          </a:bodyPr>
+          <a:lstStyle/>
+          <a:p>
+            <a:pPr marL="342900" marR="0" lvl="0" indent="-342900" algn="l" defTabSz="457200" rtl="0" eaLnBrk="1" fontAlgn="base" latinLnBrk="0" hangingPunct="1">
+              <a:lnSpc>
+                <a:spcPct val="100000"/>
+              </a:lnSpc>
+              <a:spcBef>
+                <a:spcPct val="0"/>
+              </a:spcBef>
+              <a:spcAft>
+                <a:spcPct val="0"/>
+              </a:spcAft>
+              <a:buClrTx/>
+              <a:buSzTx/>
+              <a:buFont typeface="Arial" panose="020B0604020202020204" pitchFamily="34" charset="0"/>
+              <a:buChar char="•"/>
+              <a:tabLst/>
+              <a:defRPr/>
+            </a:pPr>
+            <a:r>
+              <a:rPr lang="en-US" dirty="0">
+                <a:solidFill>
+                  <a:srgbClr val="404040"/>
+                </a:solidFill>
+              </a:rPr>
+              <a:t>Example 4: Using Percentiles</a:t>
+            </a:r>
+          </a:p>
+          <a:p>
+            <a:pPr marL="800100" lvl="1" indent="-342900">
+              <a:buFont typeface="Arial" panose="020B0604020202020204" pitchFamily="34" charset="0"/>
+              <a:buChar char="•"/>
+              <a:defRPr/>
+            </a:pPr>
+            <a:r>
+              <a:rPr lang="en-US" dirty="0">
+                <a:solidFill>
+                  <a:srgbClr val="404040"/>
+                </a:solidFill>
+              </a:rPr>
+              <a:t>Goal: Cut on the Quartiles</a:t>
+            </a:r>
+          </a:p>
+          <a:p>
+            <a:pPr marL="800100" lvl="1" indent="-342900">
+              <a:buFont typeface="Arial" panose="020B0604020202020204" pitchFamily="34" charset="0"/>
+              <a:buChar char="•"/>
+              <a:defRPr/>
+            </a:pPr>
+            <a:r>
+              <a:rPr lang="en-US" dirty="0">
+                <a:solidFill>
+                  <a:srgbClr val="404040"/>
+                </a:solidFill>
+              </a:rPr>
+              <a:t>Use Quantile Function</a:t>
+            </a:r>
+          </a:p>
+          <a:p>
+            <a:pPr marL="800100" lvl="1" indent="-342900">
+              <a:buFont typeface="Arial" panose="020B0604020202020204" pitchFamily="34" charset="0"/>
+              <a:buChar char="•"/>
+              <a:defRPr/>
+            </a:pPr>
+            <a:endParaRPr lang="en-US" dirty="0">
+              <a:solidFill>
+                <a:srgbClr val="404040"/>
+              </a:solidFill>
+            </a:endParaRPr>
+          </a:p>
+          <a:p>
+            <a:pPr marL="800100" lvl="1" indent="-342900">
+              <a:buFont typeface="Arial" panose="020B0604020202020204" pitchFamily="34" charset="0"/>
+              <a:buChar char="•"/>
+              <a:defRPr/>
+            </a:pPr>
+            <a:endParaRPr lang="en-US" dirty="0">
+              <a:solidFill>
+                <a:srgbClr val="404040"/>
+              </a:solidFill>
+            </a:endParaRPr>
+          </a:p>
+          <a:p>
+            <a:pPr marL="800100" lvl="1" indent="-342900">
+              <a:buFont typeface="Arial" panose="020B0604020202020204" pitchFamily="34" charset="0"/>
+              <a:buChar char="•"/>
+              <a:defRPr/>
+            </a:pPr>
+            <a:endParaRPr lang="en-US" dirty="0">
+              <a:solidFill>
+                <a:srgbClr val="404040"/>
+              </a:solidFill>
+            </a:endParaRPr>
+          </a:p>
+          <a:p>
+            <a:pPr marL="800100" lvl="1" indent="-342900">
+              <a:buFont typeface="Arial" panose="020B0604020202020204" pitchFamily="34" charset="0"/>
+              <a:buChar char="•"/>
+              <a:defRPr/>
+            </a:pPr>
+            <a:endParaRPr lang="en-US" dirty="0">
+              <a:solidFill>
+                <a:srgbClr val="404040"/>
+              </a:solidFill>
+            </a:endParaRPr>
+          </a:p>
+          <a:p>
+            <a:pPr marL="800100" lvl="1" indent="-342900">
+              <a:buFont typeface="Arial" panose="020B0604020202020204" pitchFamily="34" charset="0"/>
+              <a:buChar char="•"/>
+              <a:defRPr/>
+            </a:pPr>
+            <a:endParaRPr lang="en-US" dirty="0">
+              <a:solidFill>
+                <a:srgbClr val="404040"/>
+              </a:solidFill>
+            </a:endParaRPr>
+          </a:p>
+          <a:p>
+            <a:pPr marL="342900" indent="-342900">
+              <a:buFont typeface="Arial" panose="020B0604020202020204" pitchFamily="34" charset="0"/>
+              <a:buChar char="•"/>
+              <a:defRPr/>
+            </a:pPr>
+            <a:r>
+              <a:rPr lang="en-US" dirty="0">
+                <a:solidFill>
+                  <a:srgbClr val="404040"/>
+                </a:solidFill>
+              </a:rPr>
+              <a:t>Helpful Package</a:t>
+            </a:r>
+          </a:p>
+        </p:txBody>
+      </p:sp>
+      <p:pic>
+        <p:nvPicPr>
+          <p:cNvPr id="4" name="Picture 3">
+            <a:extLst>
+              <a:ext uri="{FF2B5EF4-FFF2-40B4-BE49-F238E27FC236}">
+                <a16:creationId xmlns:a16="http://schemas.microsoft.com/office/drawing/2014/main" id="{51FCA3D5-A2CF-46B7-8020-9EC7715100B9}"/>
+              </a:ext>
+            </a:extLst>
+          </p:cNvPr>
+          <p:cNvPicPr>
+            <a:picLocks noChangeAspect="1"/>
+          </p:cNvPicPr>
+          <p:nvPr/>
+        </p:nvPicPr>
+        <p:blipFill>
+          <a:blip r:embed="rId4"/>
+          <a:stretch>
+            <a:fillRect/>
+          </a:stretch>
+        </p:blipFill>
+        <p:spPr>
+          <a:xfrm>
+            <a:off x="3601683" y="1905000"/>
+            <a:ext cx="5486400" cy="1233463"/>
+          </a:xfrm>
+          <a:prstGeom prst="rect">
+            <a:avLst/>
+          </a:prstGeom>
+          <a:ln>
+            <a:solidFill>
+              <a:srgbClr val="404040"/>
+            </a:solidFill>
+          </a:ln>
+        </p:spPr>
+        <p:style>
+          <a:lnRef idx="2">
+            <a:schemeClr val="dk1"/>
+          </a:lnRef>
+          <a:fillRef idx="1">
+            <a:schemeClr val="lt1"/>
+          </a:fillRef>
+          <a:effectRef idx="0">
+            <a:schemeClr val="dk1"/>
+          </a:effectRef>
+          <a:fontRef idx="minor">
+            <a:schemeClr val="dk1"/>
+          </a:fontRef>
+        </p:style>
+      </p:pic>
+      <p:sp>
+        <p:nvSpPr>
+          <p:cNvPr id="5" name="TextBox 4">
+            <a:extLst>
+              <a:ext uri="{FF2B5EF4-FFF2-40B4-BE49-F238E27FC236}">
+                <a16:creationId xmlns:a16="http://schemas.microsoft.com/office/drawing/2014/main" id="{4F0D20CD-F988-427E-8B09-A8B3AD3678BD}"/>
+              </a:ext>
+            </a:extLst>
+          </p:cNvPr>
+          <p:cNvSpPr txBox="1"/>
+          <p:nvPr/>
+        </p:nvSpPr>
+        <p:spPr>
+          <a:xfrm>
+            <a:off x="6629400" y="3533737"/>
+            <a:ext cx="2341917" cy="461665"/>
+          </a:xfrm>
+          <a:prstGeom prst="rect">
+            <a:avLst/>
+          </a:prstGeom>
+          <a:solidFill>
+            <a:srgbClr val="404040"/>
+          </a:solidFill>
+          <a:ln>
+            <a:solidFill>
+              <a:srgbClr val="404040"/>
+            </a:solidFill>
+          </a:ln>
+        </p:spPr>
+        <p:txBody>
+          <a:bodyPr wrap="square" rtlCol="0">
+            <a:spAutoFit/>
+          </a:bodyPr>
+          <a:lstStyle/>
+          <a:p>
+            <a:r>
+              <a:rPr lang="en-US" dirty="0">
+                <a:solidFill>
+                  <a:schemeClr val="bg1"/>
+                </a:solidFill>
+              </a:rPr>
+              <a:t>&gt; library(</a:t>
+            </a:r>
+            <a:r>
+              <a:rPr lang="en-US" dirty="0" err="1">
+                <a:solidFill>
+                  <a:schemeClr val="bg1"/>
+                </a:solidFill>
+              </a:rPr>
+              <a:t>expss</a:t>
+            </a:r>
+            <a:r>
+              <a:rPr lang="en-US" dirty="0">
+                <a:solidFill>
+                  <a:schemeClr val="bg1"/>
+                </a:solidFill>
+              </a:rPr>
+              <a:t>)</a:t>
+            </a:r>
+          </a:p>
+        </p:txBody>
+      </p:sp>
+      <p:pic>
+        <p:nvPicPr>
+          <p:cNvPr id="6" name="Picture 5">
+            <a:extLst>
+              <a:ext uri="{FF2B5EF4-FFF2-40B4-BE49-F238E27FC236}">
+                <a16:creationId xmlns:a16="http://schemas.microsoft.com/office/drawing/2014/main" id="{D1CDF1E2-A1E0-49BE-B2D3-F646EFC14CB9}"/>
+              </a:ext>
+            </a:extLst>
+          </p:cNvPr>
+          <p:cNvPicPr>
+            <a:picLocks noChangeAspect="1"/>
+          </p:cNvPicPr>
+          <p:nvPr/>
+        </p:nvPicPr>
+        <p:blipFill>
+          <a:blip r:embed="rId5"/>
+          <a:stretch>
+            <a:fillRect/>
+          </a:stretch>
+        </p:blipFill>
+        <p:spPr>
+          <a:xfrm>
+            <a:off x="3601683" y="4263626"/>
+            <a:ext cx="5466117" cy="2257047"/>
+          </a:xfrm>
+          <a:prstGeom prst="rect">
+            <a:avLst/>
+          </a:prstGeom>
+          <a:ln>
+            <a:solidFill>
+              <a:srgbClr val="404040"/>
+            </a:solidFill>
+          </a:ln>
+        </p:spPr>
+        <p:style>
+          <a:lnRef idx="2">
+            <a:schemeClr val="dk1"/>
+          </a:lnRef>
+          <a:fillRef idx="1">
+            <a:schemeClr val="lt1"/>
+          </a:fillRef>
+          <a:effectRef idx="0">
+            <a:schemeClr val="dk1"/>
+          </a:effectRef>
+          <a:fontRef idx="minor">
+            <a:schemeClr val="dk1"/>
+          </a:fontRef>
+        </p:style>
+      </p:pic>
+    </p:spTree>
+    <p:custDataLst>
+      <p:tags r:id="rId1"/>
+    </p:custDataLst>
+    <p:extLst>
+      <p:ext uri="{BB962C8B-B14F-4D97-AF65-F5344CB8AC3E}">
+        <p14:creationId xmlns:p14="http://schemas.microsoft.com/office/powerpoint/2010/main" val="2057214088"/>
+      </p:ext>
+    </p:extLst>
+  </p:cSld>
+  <p:clrMapOvr>
+    <a:masterClrMapping/>
+  </p:clrMapOvr>
+</p:sld>
+</file>
+
+<file path=ppt/slides/slide39.xml><?xml version="1.0" encoding="utf-8"?>
 <p:sld xmlns:a="http://schemas.openxmlformats.org/drawingml/2006/main" xmlns:r="http://schemas.openxmlformats.org/officeDocument/2006/relationships" xmlns:p="http://schemas.openxmlformats.org/presentationml/2006/main">
   <p:cSld>
     <p:bg>
@@ -24310,7 +26046,25 @@
 </p:tagLst>
 </file>
 
+<file path=ppt/tags/tag38.xml><?xml version="1.0" encoding="utf-8"?>
+<p:tagLst xmlns:a="http://schemas.openxmlformats.org/drawingml/2006/main" xmlns:r="http://schemas.openxmlformats.org/officeDocument/2006/relationships" xmlns:p="http://schemas.openxmlformats.org/presentationml/2006/main">
+  <p:tag name="DELIMITERS" val="3.1"/>
+</p:tagLst>
+</file>
+
+<file path=ppt/tags/tag39.xml><?xml version="1.0" encoding="utf-8"?>
+<p:tagLst xmlns:a="http://schemas.openxmlformats.org/drawingml/2006/main" xmlns:r="http://schemas.openxmlformats.org/officeDocument/2006/relationships" xmlns:p="http://schemas.openxmlformats.org/presentationml/2006/main">
+  <p:tag name="DELIMITERS" val="3.1"/>
+</p:tagLst>
+</file>
+
 <file path=ppt/tags/tag4.xml><?xml version="1.0" encoding="utf-8"?>
+<p:tagLst xmlns:a="http://schemas.openxmlformats.org/drawingml/2006/main" xmlns:r="http://schemas.openxmlformats.org/officeDocument/2006/relationships" xmlns:p="http://schemas.openxmlformats.org/presentationml/2006/main">
+  <p:tag name="DELIMITERS" val="3.1"/>
+</p:tagLst>
+</file>
+
+<file path=ppt/tags/tag40.xml><?xml version="1.0" encoding="utf-8"?>
 <p:tagLst xmlns:a="http://schemas.openxmlformats.org/drawingml/2006/main" xmlns:r="http://schemas.openxmlformats.org/officeDocument/2006/relationships" xmlns:p="http://schemas.openxmlformats.org/presentationml/2006/main">
   <p:tag name="DELIMITERS" val="3.1"/>
 </p:tagLst>

--- a/Lecture/Factors/Factors_Lecture.pptx
+++ b/Lecture/Factors/Factors_Lecture.pptx
@@ -326,7 +326,7 @@
               <a:pPr>
                 <a:defRPr/>
               </a:pPr>
-              <a:t>10/1/2020</a:t>
+              <a:t>2/27/2024</a:t>
             </a:fld>
             <a:endParaRPr lang="en-US" dirty="0"/>
           </a:p>
@@ -538,7 +538,7 @@
               <a:pPr>
                 <a:defRPr/>
               </a:pPr>
-              <a:t>10/1/2020</a:t>
+              <a:t>2/27/2024</a:t>
             </a:fld>
             <a:endParaRPr lang="en-US" dirty="0"/>
           </a:p>
@@ -1057,7 +1057,7 @@
               <a:pPr>
                 <a:defRPr/>
               </a:pPr>
-              <a:t>10/1/2020</a:t>
+              <a:t>2/27/2024</a:t>
             </a:fld>
             <a:endParaRPr lang="en-US" dirty="0"/>
           </a:p>
@@ -1247,7 +1247,7 @@
               <a:pPr>
                 <a:defRPr/>
               </a:pPr>
-              <a:t>10/1/2020</a:t>
+              <a:t>2/27/2024</a:t>
             </a:fld>
             <a:endParaRPr lang="en-US" dirty="0"/>
           </a:p>
@@ -1447,7 +1447,7 @@
               <a:pPr>
                 <a:defRPr/>
               </a:pPr>
-              <a:t>10/1/2020</a:t>
+              <a:t>2/27/2024</a:t>
             </a:fld>
             <a:endParaRPr lang="en-US" dirty="0"/>
           </a:p>
@@ -1715,7 +1715,7 @@
               <a:pPr>
                 <a:defRPr/>
               </a:pPr>
-              <a:t>10/1/2020</a:t>
+              <a:t>2/27/2024</a:t>
             </a:fld>
             <a:endParaRPr lang="en-US" dirty="0">
               <a:solidFill>
@@ -1929,7 +1929,7 @@
               <a:pPr>
                 <a:defRPr/>
               </a:pPr>
-              <a:t>10/1/2020</a:t>
+              <a:t>2/27/2024</a:t>
             </a:fld>
             <a:endParaRPr lang="en-US" dirty="0">
               <a:solidFill>
@@ -2220,7 +2220,7 @@
               <a:pPr>
                 <a:defRPr/>
               </a:pPr>
-              <a:t>10/1/2020</a:t>
+              <a:t>2/27/2024</a:t>
             </a:fld>
             <a:endParaRPr lang="en-US" dirty="0">
               <a:solidFill>
@@ -2551,7 +2551,7 @@
               <a:pPr>
                 <a:defRPr/>
               </a:pPr>
-              <a:t>10/1/2020</a:t>
+              <a:t>2/27/2024</a:t>
             </a:fld>
             <a:endParaRPr lang="en-US" dirty="0">
               <a:solidFill>
@@ -3016,7 +3016,7 @@
               <a:pPr>
                 <a:defRPr/>
               </a:pPr>
-              <a:t>10/1/2020</a:t>
+              <a:t>2/27/2024</a:t>
             </a:fld>
             <a:endParaRPr lang="en-US" dirty="0">
               <a:solidFill>
@@ -3179,7 +3179,7 @@
               <a:pPr>
                 <a:defRPr/>
               </a:pPr>
-              <a:t>10/1/2020</a:t>
+              <a:t>2/27/2024</a:t>
             </a:fld>
             <a:endParaRPr lang="en-US" dirty="0">
               <a:solidFill>
@@ -3320,7 +3320,7 @@
               <a:pPr>
                 <a:defRPr/>
               </a:pPr>
-              <a:t>10/1/2020</a:t>
+              <a:t>2/27/2024</a:t>
             </a:fld>
             <a:endParaRPr lang="en-US" dirty="0">
               <a:solidFill>
@@ -3641,7 +3641,7 @@
               <a:pPr>
                 <a:defRPr/>
               </a:pPr>
-              <a:t>10/1/2020</a:t>
+              <a:t>2/27/2024</a:t>
             </a:fld>
             <a:endParaRPr lang="en-US" dirty="0">
               <a:solidFill>
@@ -3849,7 +3849,7 @@
               <a:pPr>
                 <a:defRPr/>
               </a:pPr>
-              <a:t>10/1/2020</a:t>
+              <a:t>2/27/2024</a:t>
             </a:fld>
             <a:endParaRPr lang="en-US" dirty="0"/>
           </a:p>
@@ -4132,7 +4132,7 @@
               <a:pPr>
                 <a:defRPr/>
               </a:pPr>
-              <a:t>10/1/2020</a:t>
+              <a:t>2/27/2024</a:t>
             </a:fld>
             <a:endParaRPr lang="en-US" dirty="0">
               <a:solidFill>
@@ -4346,7 +4346,7 @@
               <a:pPr>
                 <a:defRPr/>
               </a:pPr>
-              <a:t>10/1/2020</a:t>
+              <a:t>2/27/2024</a:t>
             </a:fld>
             <a:endParaRPr lang="en-US" dirty="0">
               <a:solidFill>
@@ -4570,7 +4570,7 @@
               <a:pPr>
                 <a:defRPr/>
               </a:pPr>
-              <a:t>10/1/2020</a:t>
+              <a:t>2/27/2024</a:t>
             </a:fld>
             <a:endParaRPr lang="en-US" dirty="0">
               <a:solidFill>
@@ -4780,7 +4780,7 @@
               <a:pPr>
                 <a:defRPr/>
               </a:pPr>
-              <a:t>10/1/2020</a:t>
+              <a:t>2/27/2024</a:t>
             </a:fld>
             <a:endParaRPr lang="en-US" dirty="0">
               <a:solidFill>
@@ -5057,7 +5057,7 @@
               <a:pPr>
                 <a:defRPr/>
               </a:pPr>
-              <a:t>10/1/2020</a:t>
+              <a:t>2/27/2024</a:t>
             </a:fld>
             <a:endParaRPr lang="en-US" dirty="0"/>
           </a:p>
@@ -5364,7 +5364,7 @@
               <a:pPr>
                 <a:defRPr/>
               </a:pPr>
-              <a:t>10/1/2020</a:t>
+              <a:t>2/27/2024</a:t>
             </a:fld>
             <a:endParaRPr lang="en-US" dirty="0"/>
           </a:p>
@@ -5805,7 +5805,7 @@
               <a:pPr>
                 <a:defRPr/>
               </a:pPr>
-              <a:t>10/1/2020</a:t>
+              <a:t>2/27/2024</a:t>
             </a:fld>
             <a:endParaRPr lang="en-US" dirty="0"/>
           </a:p>
@@ -5944,7 +5944,7 @@
               <a:pPr>
                 <a:defRPr/>
               </a:pPr>
-              <a:t>10/1/2020</a:t>
+              <a:t>2/27/2024</a:t>
             </a:fld>
             <a:endParaRPr lang="en-US" dirty="0"/>
           </a:p>
@@ -6061,7 +6061,7 @@
               <a:pPr>
                 <a:defRPr/>
               </a:pPr>
-              <a:t>10/1/2020</a:t>
+              <a:t>2/27/2024</a:t>
             </a:fld>
             <a:endParaRPr lang="en-US" dirty="0"/>
           </a:p>
@@ -6358,7 +6358,7 @@
               <a:pPr>
                 <a:defRPr/>
               </a:pPr>
-              <a:t>10/1/2020</a:t>
+              <a:t>2/27/2024</a:t>
             </a:fld>
             <a:endParaRPr lang="en-US" dirty="0"/>
           </a:p>
@@ -6635,7 +6635,7 @@
               <a:pPr>
                 <a:defRPr/>
               </a:pPr>
-              <a:t>10/1/2020</a:t>
+              <a:t>2/27/2024</a:t>
             </a:fld>
             <a:endParaRPr lang="en-US" dirty="0"/>
           </a:p>
@@ -6892,7 +6892,7 @@
               <a:pPr>
                 <a:defRPr/>
               </a:pPr>
-              <a:t>10/1/2020</a:t>
+              <a:t>2/27/2024</a:t>
             </a:fld>
             <a:endParaRPr lang="en-US" dirty="0"/>
           </a:p>
@@ -7602,7 +7602,7 @@
               <a:pPr>
                 <a:defRPr/>
               </a:pPr>
-              <a:t>10/1/2020</a:t>
+              <a:t>2/27/2024</a:t>
             </a:fld>
             <a:endParaRPr lang="en-US" dirty="0">
               <a:solidFill>
@@ -14032,10 +14032,10 @@
       </p:sp>
       <p:pic>
         <p:nvPicPr>
-          <p:cNvPr id="5" name="Picture 4">
+          <p:cNvPr id="4" name="Picture 3">
             <a:extLst>
               <a:ext uri="{FF2B5EF4-FFF2-40B4-BE49-F238E27FC236}">
-                <a16:creationId xmlns:a16="http://schemas.microsoft.com/office/drawing/2014/main" id="{2583736A-8746-46E4-A7C8-D3FF11E0B690}"/>
+                <a16:creationId xmlns:a16="http://schemas.microsoft.com/office/drawing/2014/main" id="{AD8494D9-9D17-7E19-0F41-D5292B877C0E}"/>
               </a:ext>
             </a:extLst>
           </p:cNvPr>
@@ -14052,32 +14052,18 @@
         </p:blipFill>
         <p:spPr>
           <a:xfrm>
-            <a:off x="3581400" y="1143000"/>
-            <a:ext cx="5483461" cy="4891087"/>
+            <a:off x="3665683" y="1219200"/>
+            <a:ext cx="5297214" cy="4267200"/>
           </a:xfrm>
           <a:prstGeom prst="rect">
             <a:avLst/>
           </a:prstGeom>
-          <a:ln>
+          <a:ln w="28575">
             <a:solidFill>
               <a:srgbClr val="404040"/>
             </a:solidFill>
           </a:ln>
         </p:spPr>
-        <p:style>
-          <a:lnRef idx="2">
-            <a:schemeClr val="dk1"/>
-          </a:lnRef>
-          <a:fillRef idx="1">
-            <a:schemeClr val="lt1"/>
-          </a:fillRef>
-          <a:effectRef idx="0">
-            <a:schemeClr val="dk1"/>
-          </a:effectRef>
-          <a:fontRef idx="minor">
-            <a:schemeClr val="dk1"/>
-          </a:fontRef>
-        </p:style>
       </p:pic>
     </p:spTree>
     <p:custDataLst>
@@ -14800,10 +14786,10 @@
       </p:sp>
       <p:pic>
         <p:nvPicPr>
-          <p:cNvPr id="3" name="Picture 2">
+          <p:cNvPr id="5" name="Picture 4">
             <a:extLst>
               <a:ext uri="{FF2B5EF4-FFF2-40B4-BE49-F238E27FC236}">
-                <a16:creationId xmlns:a16="http://schemas.microsoft.com/office/drawing/2014/main" id="{AC7A3CC7-9E80-43C7-B25C-A5E602BFA7A9}"/>
+                <a16:creationId xmlns:a16="http://schemas.microsoft.com/office/drawing/2014/main" id="{6077556C-5CC9-4A58-2DC7-2532147D52CA}"/>
               </a:ext>
             </a:extLst>
           </p:cNvPr>
@@ -14820,32 +14806,18 @@
         </p:blipFill>
         <p:spPr>
           <a:xfrm>
-            <a:off x="3619200" y="1143000"/>
-            <a:ext cx="5415072" cy="4832636"/>
+            <a:off x="3616157" y="1143000"/>
+            <a:ext cx="5405594" cy="4380302"/>
           </a:xfrm>
           <a:prstGeom prst="rect">
             <a:avLst/>
           </a:prstGeom>
-          <a:ln>
+          <a:ln w="28575">
             <a:solidFill>
               <a:srgbClr val="404040"/>
             </a:solidFill>
           </a:ln>
         </p:spPr>
-        <p:style>
-          <a:lnRef idx="2">
-            <a:schemeClr val="dk1"/>
-          </a:lnRef>
-          <a:fillRef idx="1">
-            <a:schemeClr val="lt1"/>
-          </a:fillRef>
-          <a:effectRef idx="0">
-            <a:schemeClr val="dk1"/>
-          </a:effectRef>
-          <a:fontRef idx="minor">
-            <a:schemeClr val="dk1"/>
-          </a:fontRef>
-        </p:style>
       </p:pic>
     </p:spTree>
     <p:custDataLst>

--- a/Lecture/Factors/Factors_Lecture.pptx
+++ b/Lecture/Factors/Factors_Lecture.pptx
@@ -326,7 +326,7 @@
               <a:pPr>
                 <a:defRPr/>
               </a:pPr>
-              <a:t>2/27/2024</a:t>
+              <a:t>2/21/2025</a:t>
             </a:fld>
             <a:endParaRPr lang="en-US" dirty="0"/>
           </a:p>
@@ -538,7 +538,7 @@
               <a:pPr>
                 <a:defRPr/>
               </a:pPr>
-              <a:t>2/27/2024</a:t>
+              <a:t>2/21/2025</a:t>
             </a:fld>
             <a:endParaRPr lang="en-US" dirty="0"/>
           </a:p>
@@ -1057,7 +1057,7 @@
               <a:pPr>
                 <a:defRPr/>
               </a:pPr>
-              <a:t>2/27/2024</a:t>
+              <a:t>2/21/2025</a:t>
             </a:fld>
             <a:endParaRPr lang="en-US" dirty="0"/>
           </a:p>
@@ -1247,7 +1247,7 @@
               <a:pPr>
                 <a:defRPr/>
               </a:pPr>
-              <a:t>2/27/2024</a:t>
+              <a:t>2/21/2025</a:t>
             </a:fld>
             <a:endParaRPr lang="en-US" dirty="0"/>
           </a:p>
@@ -1447,7 +1447,7 @@
               <a:pPr>
                 <a:defRPr/>
               </a:pPr>
-              <a:t>2/27/2024</a:t>
+              <a:t>2/21/2025</a:t>
             </a:fld>
             <a:endParaRPr lang="en-US" dirty="0"/>
           </a:p>
@@ -1715,7 +1715,7 @@
               <a:pPr>
                 <a:defRPr/>
               </a:pPr>
-              <a:t>2/27/2024</a:t>
+              <a:t>2/21/2025</a:t>
             </a:fld>
             <a:endParaRPr lang="en-US" dirty="0">
               <a:solidFill>
@@ -1929,7 +1929,7 @@
               <a:pPr>
                 <a:defRPr/>
               </a:pPr>
-              <a:t>2/27/2024</a:t>
+              <a:t>2/21/2025</a:t>
             </a:fld>
             <a:endParaRPr lang="en-US" dirty="0">
               <a:solidFill>
@@ -2220,7 +2220,7 @@
               <a:pPr>
                 <a:defRPr/>
               </a:pPr>
-              <a:t>2/27/2024</a:t>
+              <a:t>2/21/2025</a:t>
             </a:fld>
             <a:endParaRPr lang="en-US" dirty="0">
               <a:solidFill>
@@ -2551,7 +2551,7 @@
               <a:pPr>
                 <a:defRPr/>
               </a:pPr>
-              <a:t>2/27/2024</a:t>
+              <a:t>2/21/2025</a:t>
             </a:fld>
             <a:endParaRPr lang="en-US" dirty="0">
               <a:solidFill>
@@ -3016,7 +3016,7 @@
               <a:pPr>
                 <a:defRPr/>
               </a:pPr>
-              <a:t>2/27/2024</a:t>
+              <a:t>2/21/2025</a:t>
             </a:fld>
             <a:endParaRPr lang="en-US" dirty="0">
               <a:solidFill>
@@ -3179,7 +3179,7 @@
               <a:pPr>
                 <a:defRPr/>
               </a:pPr>
-              <a:t>2/27/2024</a:t>
+              <a:t>2/21/2025</a:t>
             </a:fld>
             <a:endParaRPr lang="en-US" dirty="0">
               <a:solidFill>
@@ -3320,7 +3320,7 @@
               <a:pPr>
                 <a:defRPr/>
               </a:pPr>
-              <a:t>2/27/2024</a:t>
+              <a:t>2/21/2025</a:t>
             </a:fld>
             <a:endParaRPr lang="en-US" dirty="0">
               <a:solidFill>
@@ -3641,7 +3641,7 @@
               <a:pPr>
                 <a:defRPr/>
               </a:pPr>
-              <a:t>2/27/2024</a:t>
+              <a:t>2/21/2025</a:t>
             </a:fld>
             <a:endParaRPr lang="en-US" dirty="0">
               <a:solidFill>
@@ -3849,7 +3849,7 @@
               <a:pPr>
                 <a:defRPr/>
               </a:pPr>
-              <a:t>2/27/2024</a:t>
+              <a:t>2/21/2025</a:t>
             </a:fld>
             <a:endParaRPr lang="en-US" dirty="0"/>
           </a:p>
@@ -4132,7 +4132,7 @@
               <a:pPr>
                 <a:defRPr/>
               </a:pPr>
-              <a:t>2/27/2024</a:t>
+              <a:t>2/21/2025</a:t>
             </a:fld>
             <a:endParaRPr lang="en-US" dirty="0">
               <a:solidFill>
@@ -4346,7 +4346,7 @@
               <a:pPr>
                 <a:defRPr/>
               </a:pPr>
-              <a:t>2/27/2024</a:t>
+              <a:t>2/21/2025</a:t>
             </a:fld>
             <a:endParaRPr lang="en-US" dirty="0">
               <a:solidFill>
@@ -4570,7 +4570,7 @@
               <a:pPr>
                 <a:defRPr/>
               </a:pPr>
-              <a:t>2/27/2024</a:t>
+              <a:t>2/21/2025</a:t>
             </a:fld>
             <a:endParaRPr lang="en-US" dirty="0">
               <a:solidFill>
@@ -4780,7 +4780,7 @@
               <a:pPr>
                 <a:defRPr/>
               </a:pPr>
-              <a:t>2/27/2024</a:t>
+              <a:t>2/21/2025</a:t>
             </a:fld>
             <a:endParaRPr lang="en-US" dirty="0">
               <a:solidFill>
@@ -5057,7 +5057,7 @@
               <a:pPr>
                 <a:defRPr/>
               </a:pPr>
-              <a:t>2/27/2024</a:t>
+              <a:t>2/21/2025</a:t>
             </a:fld>
             <a:endParaRPr lang="en-US" dirty="0"/>
           </a:p>
@@ -5364,7 +5364,7 @@
               <a:pPr>
                 <a:defRPr/>
               </a:pPr>
-              <a:t>2/27/2024</a:t>
+              <a:t>2/21/2025</a:t>
             </a:fld>
             <a:endParaRPr lang="en-US" dirty="0"/>
           </a:p>
@@ -5805,7 +5805,7 @@
               <a:pPr>
                 <a:defRPr/>
               </a:pPr>
-              <a:t>2/27/2024</a:t>
+              <a:t>2/21/2025</a:t>
             </a:fld>
             <a:endParaRPr lang="en-US" dirty="0"/>
           </a:p>
@@ -5944,7 +5944,7 @@
               <a:pPr>
                 <a:defRPr/>
               </a:pPr>
-              <a:t>2/27/2024</a:t>
+              <a:t>2/21/2025</a:t>
             </a:fld>
             <a:endParaRPr lang="en-US" dirty="0"/>
           </a:p>
@@ -6061,7 +6061,7 @@
               <a:pPr>
                 <a:defRPr/>
               </a:pPr>
-              <a:t>2/27/2024</a:t>
+              <a:t>2/21/2025</a:t>
             </a:fld>
             <a:endParaRPr lang="en-US" dirty="0"/>
           </a:p>
@@ -6358,7 +6358,7 @@
               <a:pPr>
                 <a:defRPr/>
               </a:pPr>
-              <a:t>2/27/2024</a:t>
+              <a:t>2/21/2025</a:t>
             </a:fld>
             <a:endParaRPr lang="en-US" dirty="0"/>
           </a:p>
@@ -6635,7 +6635,7 @@
               <a:pPr>
                 <a:defRPr/>
               </a:pPr>
-              <a:t>2/27/2024</a:t>
+              <a:t>2/21/2025</a:t>
             </a:fld>
             <a:endParaRPr lang="en-US" dirty="0"/>
           </a:p>
@@ -6892,7 +6892,7 @@
               <a:pPr>
                 <a:defRPr/>
               </a:pPr>
-              <a:t>2/27/2024</a:t>
+              <a:t>2/21/2025</a:t>
             </a:fld>
             <a:endParaRPr lang="en-US" dirty="0"/>
           </a:p>
@@ -7602,7 +7602,7 @@
               <a:pPr>
                 <a:defRPr/>
               </a:pPr>
-              <a:t>2/27/2024</a:t>
+              <a:t>2/21/2025</a:t>
             </a:fld>
             <a:endParaRPr lang="en-US" dirty="0">
               <a:solidFill>
@@ -13002,6 +13002,426 @@
           <a:chExt cx="0" cy="0"/>
         </a:xfrm>
       </p:grpSpPr>
+      <p:sp>
+        <p:nvSpPr>
+          <p:cNvPr id="6" name="TextBox 5">
+            <a:extLst>
+              <a:ext uri="{FF2B5EF4-FFF2-40B4-BE49-F238E27FC236}">
+                <a16:creationId xmlns:a16="http://schemas.microsoft.com/office/drawing/2014/main" id="{E58EF064-51FF-48A9-8810-E84BE6F6F09D}"/>
+              </a:ext>
+            </a:extLst>
+          </p:cNvPr>
+          <p:cNvSpPr txBox="1"/>
+          <p:nvPr/>
+        </p:nvSpPr>
+        <p:spPr>
+          <a:xfrm>
+            <a:off x="3810000" y="621916"/>
+            <a:ext cx="5105400" cy="6217087"/>
+          </a:xfrm>
+          <a:prstGeom prst="rect">
+            <a:avLst/>
+          </a:prstGeom>
+          <a:noFill/>
+        </p:spPr>
+        <p:txBody>
+          <a:bodyPr wrap="square" rtlCol="0">
+            <a:spAutoFit/>
+          </a:bodyPr>
+          <a:lstStyle/>
+          <a:p>
+            <a:pPr marL="342900" marR="0" lvl="0" indent="-342900" algn="l" defTabSz="457200" rtl="0" eaLnBrk="1" fontAlgn="base" latinLnBrk="0" hangingPunct="1">
+              <a:lnSpc>
+                <a:spcPct val="100000"/>
+              </a:lnSpc>
+              <a:spcBef>
+                <a:spcPct val="0"/>
+              </a:spcBef>
+              <a:spcAft>
+                <a:spcPct val="0"/>
+              </a:spcAft>
+              <a:buClrTx/>
+              <a:buSzTx/>
+              <a:buFont typeface="Arial" panose="020B0604020202020204" pitchFamily="34" charset="0"/>
+              <a:buChar char="•"/>
+              <a:tabLst/>
+              <a:defRPr/>
+            </a:pPr>
+            <a:r>
+              <a:rPr lang="en-US" dirty="0">
+                <a:solidFill>
+                  <a:srgbClr val="404040"/>
+                </a:solidFill>
+              </a:rPr>
+              <a:t>Joyfully Read Chapter 12 (R4DS) and Chapter 16 (R4DS2)</a:t>
+            </a:r>
+            <a:endParaRPr kumimoji="0" lang="en-US" sz="2400" b="0" i="0" u="none" strike="noStrike" kern="1200" cap="none" spc="0" normalizeH="0" baseline="0" noProof="0" dirty="0">
+              <a:ln>
+                <a:noFill/>
+              </a:ln>
+              <a:solidFill>
+                <a:srgbClr val="404040"/>
+              </a:solidFill>
+              <a:effectLst/>
+              <a:uLnTx/>
+              <a:uFillTx/>
+            </a:endParaRPr>
+          </a:p>
+          <a:p>
+            <a:pPr marL="342900" marR="0" lvl="0" indent="-342900" algn="l" defTabSz="457200" rtl="0" eaLnBrk="1" fontAlgn="base" latinLnBrk="0" hangingPunct="1">
+              <a:lnSpc>
+                <a:spcPct val="100000"/>
+              </a:lnSpc>
+              <a:spcBef>
+                <a:spcPct val="0"/>
+              </a:spcBef>
+              <a:spcAft>
+                <a:spcPct val="0"/>
+              </a:spcAft>
+              <a:buClrTx/>
+              <a:buSzTx/>
+              <a:buFont typeface="Arial" panose="020B0604020202020204" pitchFamily="34" charset="0"/>
+              <a:buChar char="•"/>
+              <a:tabLst/>
+              <a:defRPr/>
+            </a:pPr>
+            <a:endParaRPr kumimoji="0" lang="en-US" sz="2400" b="0" i="0" u="none" strike="noStrike" kern="1200" cap="none" spc="0" normalizeH="0" baseline="0" noProof="0" dirty="0">
+              <a:ln>
+                <a:noFill/>
+              </a:ln>
+              <a:solidFill>
+                <a:srgbClr val="404040"/>
+              </a:solidFill>
+              <a:effectLst/>
+              <a:uLnTx/>
+              <a:uFillTx/>
+              <a:latin typeface="Arial" charset="0"/>
+              <a:ea typeface="ＭＳ Ｐゴシック" charset="-128"/>
+            </a:endParaRPr>
+          </a:p>
+          <a:p>
+            <a:pPr marL="342900" marR="0" lvl="0" indent="-342900" algn="l" defTabSz="457200" rtl="0" eaLnBrk="1" fontAlgn="base" latinLnBrk="0" hangingPunct="1">
+              <a:lnSpc>
+                <a:spcPct val="100000"/>
+              </a:lnSpc>
+              <a:spcBef>
+                <a:spcPct val="0"/>
+              </a:spcBef>
+              <a:spcAft>
+                <a:spcPct val="0"/>
+              </a:spcAft>
+              <a:buClrTx/>
+              <a:buSzTx/>
+              <a:buFont typeface="Arial" panose="020B0604020202020204" pitchFamily="34" charset="0"/>
+              <a:buChar char="•"/>
+              <a:tabLst/>
+              <a:defRPr/>
+            </a:pPr>
+            <a:r>
+              <a:rPr kumimoji="0" lang="en-US" sz="2400" b="0" i="0" u="none" strike="noStrike" kern="1200" cap="none" spc="0" normalizeH="0" baseline="0" noProof="0" dirty="0">
+                <a:ln>
+                  <a:noFill/>
+                </a:ln>
+                <a:solidFill>
+                  <a:srgbClr val="404040"/>
+                </a:solidFill>
+                <a:effectLst/>
+                <a:uLnTx/>
+                <a:uFillTx/>
+              </a:rPr>
+              <a:t>Additional Package</a:t>
+            </a:r>
+            <a:endParaRPr lang="en-US" dirty="0">
+              <a:solidFill>
+                <a:srgbClr val="404040"/>
+              </a:solidFill>
+            </a:endParaRPr>
+          </a:p>
+          <a:p>
+            <a:pPr marL="800100" lvl="1" indent="-342900">
+              <a:buFont typeface="Arial" panose="020B0604020202020204" pitchFamily="34" charset="0"/>
+              <a:buChar char="•"/>
+              <a:defRPr/>
+            </a:pPr>
+            <a:r>
+              <a:rPr lang="en-US" dirty="0">
+                <a:solidFill>
+                  <a:srgbClr val="404040"/>
+                </a:solidFill>
+              </a:rPr>
+              <a:t> </a:t>
+            </a:r>
+          </a:p>
+          <a:p>
+            <a:pPr marL="800100" lvl="1" indent="-342900">
+              <a:buFont typeface="Arial" panose="020B0604020202020204" pitchFamily="34" charset="0"/>
+              <a:buChar char="•"/>
+              <a:defRPr/>
+            </a:pPr>
+            <a:endParaRPr lang="en-US" dirty="0">
+              <a:solidFill>
+                <a:srgbClr val="404040"/>
+              </a:solidFill>
+            </a:endParaRPr>
+          </a:p>
+          <a:p>
+            <a:pPr marL="800100" lvl="1" indent="-342900">
+              <a:buFont typeface="Arial" panose="020B0604020202020204" pitchFamily="34" charset="0"/>
+              <a:buChar char="•"/>
+              <a:defRPr/>
+            </a:pPr>
+            <a:r>
+              <a:rPr lang="en-US" dirty="0">
+                <a:solidFill>
+                  <a:srgbClr val="404040"/>
+                </a:solidFill>
+              </a:rPr>
+              <a:t>Not Part of the </a:t>
+            </a:r>
+            <a:r>
+              <a:rPr lang="en-US" dirty="0" err="1">
+                <a:solidFill>
+                  <a:srgbClr val="404040"/>
+                </a:solidFill>
+              </a:rPr>
+              <a:t>tidyverse</a:t>
+            </a:r>
+            <a:endParaRPr lang="en-US" dirty="0">
+              <a:solidFill>
+                <a:srgbClr val="404040"/>
+              </a:solidFill>
+            </a:endParaRPr>
+          </a:p>
+          <a:p>
+            <a:pPr lvl="1">
+              <a:defRPr/>
+            </a:pPr>
+            <a:endParaRPr kumimoji="0" lang="en-US" sz="2400" b="0" i="0" u="none" strike="noStrike" kern="1200" cap="none" spc="0" normalizeH="0" baseline="0" noProof="0" dirty="0">
+              <a:ln>
+                <a:noFill/>
+              </a:ln>
+              <a:solidFill>
+                <a:srgbClr val="404040"/>
+              </a:solidFill>
+              <a:effectLst/>
+              <a:uLnTx/>
+              <a:uFillTx/>
+              <a:latin typeface="Arial" charset="0"/>
+              <a:ea typeface="ＭＳ Ｐゴシック" charset="-128"/>
+            </a:endParaRPr>
+          </a:p>
+          <a:p>
+            <a:pPr marL="342900" marR="0" lvl="0" indent="-342900" algn="l" defTabSz="457200" rtl="0" eaLnBrk="1" fontAlgn="base" latinLnBrk="0" hangingPunct="1">
+              <a:lnSpc>
+                <a:spcPct val="100000"/>
+              </a:lnSpc>
+              <a:spcBef>
+                <a:spcPct val="0"/>
+              </a:spcBef>
+              <a:spcAft>
+                <a:spcPct val="0"/>
+              </a:spcAft>
+              <a:buClrTx/>
+              <a:buSzTx/>
+              <a:buFont typeface="Arial" panose="020B0604020202020204" pitchFamily="34" charset="0"/>
+              <a:buChar char="•"/>
+              <a:tabLst/>
+              <a:defRPr/>
+            </a:pPr>
+            <a:r>
+              <a:rPr lang="en-US" dirty="0">
+                <a:solidFill>
+                  <a:srgbClr val="404040"/>
+                </a:solidFill>
+              </a:rPr>
+              <a:t>For Variables with,</a:t>
+            </a:r>
+            <a:endParaRPr kumimoji="0" lang="en-US" sz="2400" b="0" i="0" u="none" strike="noStrike" kern="1200" cap="none" spc="0" normalizeH="0" baseline="0" noProof="0" dirty="0">
+              <a:ln>
+                <a:noFill/>
+              </a:ln>
+              <a:solidFill>
+                <a:srgbClr val="404040"/>
+              </a:solidFill>
+              <a:effectLst/>
+              <a:uLnTx/>
+              <a:uFillTx/>
+            </a:endParaRPr>
+          </a:p>
+          <a:p>
+            <a:pPr marL="800100" lvl="1" indent="-342900">
+              <a:buFont typeface="Arial" panose="020B0604020202020204" pitchFamily="34" charset="0"/>
+              <a:buChar char="•"/>
+              <a:defRPr/>
+            </a:pPr>
+            <a:r>
+              <a:rPr kumimoji="0" lang="en-US" b="0" i="0" u="none" strike="noStrike" kern="1200" cap="none" spc="0" normalizeH="0" baseline="0" noProof="0" dirty="0">
+                <a:ln>
+                  <a:noFill/>
+                </a:ln>
+                <a:solidFill>
+                  <a:srgbClr val="404040"/>
+                </a:solidFill>
+                <a:effectLst/>
+                <a:uLnTx/>
+                <a:uFillTx/>
+                <a:latin typeface="Arial" charset="0"/>
+                <a:ea typeface="ＭＳ Ｐゴシック" charset="-128"/>
+              </a:rPr>
+              <a:t>Fixed Set of Values</a:t>
+            </a:r>
+          </a:p>
+          <a:p>
+            <a:pPr marL="800100" lvl="1" indent="-342900">
+              <a:buFont typeface="Arial" panose="020B0604020202020204" pitchFamily="34" charset="0"/>
+              <a:buChar char="•"/>
+              <a:defRPr/>
+            </a:pPr>
+            <a:r>
+              <a:rPr kumimoji="0" lang="en-US" b="0" i="0" u="none" strike="noStrike" kern="1200" cap="none" spc="0" normalizeH="0" baseline="0" noProof="0" dirty="0">
+                <a:ln>
+                  <a:noFill/>
+                </a:ln>
+                <a:solidFill>
+                  <a:srgbClr val="404040"/>
+                </a:solidFill>
+                <a:effectLst/>
+                <a:uLnTx/>
+                <a:uFillTx/>
+                <a:latin typeface="Arial" charset="0"/>
+                <a:ea typeface="ＭＳ Ｐゴシック" charset="-128"/>
+              </a:rPr>
+              <a:t>Known Set of </a:t>
+            </a:r>
+            <a:r>
+              <a:rPr kumimoji="0" lang="en-US" b="0" i="0" u="none" strike="noStrike" kern="1200" cap="none" spc="0" normalizeH="0" baseline="0" noProof="0" dirty="0">
+                <a:ln>
+                  <a:noFill/>
+                </a:ln>
+                <a:solidFill>
+                  <a:srgbClr val="404040"/>
+                </a:solidFill>
+                <a:effectLst/>
+                <a:uLnTx/>
+                <a:uFillTx/>
+              </a:rPr>
+              <a:t>Values</a:t>
+            </a:r>
+            <a:endParaRPr lang="en-US" dirty="0">
+              <a:solidFill>
+                <a:srgbClr val="404040"/>
+              </a:solidFill>
+            </a:endParaRPr>
+          </a:p>
+          <a:p>
+            <a:pPr marL="800100" lvl="1" indent="-342900">
+              <a:buFont typeface="Arial" panose="020B0604020202020204" pitchFamily="34" charset="0"/>
+              <a:buChar char="•"/>
+              <a:defRPr/>
+            </a:pPr>
+            <a:endParaRPr kumimoji="0" lang="en-US" b="0" i="0" u="none" strike="noStrike" kern="1200" cap="none" spc="0" normalizeH="0" baseline="0" noProof="0" dirty="0">
+              <a:ln>
+                <a:noFill/>
+              </a:ln>
+              <a:solidFill>
+                <a:srgbClr val="404040"/>
+              </a:solidFill>
+              <a:effectLst/>
+              <a:uLnTx/>
+              <a:uFillTx/>
+              <a:latin typeface="Arial" charset="0"/>
+              <a:ea typeface="ＭＳ Ｐゴシック" charset="-128"/>
+            </a:endParaRPr>
+          </a:p>
+          <a:p>
+            <a:pPr marL="342900" indent="-342900">
+              <a:buFont typeface="Arial" panose="020B0604020202020204" pitchFamily="34" charset="0"/>
+              <a:buChar char="•"/>
+              <a:defRPr/>
+            </a:pPr>
+            <a:r>
+              <a:rPr kumimoji="0" lang="en-US" b="0" i="0" u="none" strike="noStrike" kern="1200" cap="none" spc="0" normalizeH="0" baseline="0" noProof="0" dirty="0">
+                <a:ln>
+                  <a:noFill/>
+                </a:ln>
+                <a:solidFill>
+                  <a:srgbClr val="404040"/>
+                </a:solidFill>
+                <a:effectLst/>
+                <a:uLnTx/>
+                <a:uFillTx/>
+                <a:latin typeface="Arial" charset="0"/>
+                <a:ea typeface="ＭＳ Ｐゴシック" charset="-128"/>
+              </a:rPr>
+              <a:t>Sophisticated Character Vector</a:t>
+            </a:r>
+          </a:p>
+          <a:p>
+            <a:pPr marL="342900" indent="-342900">
+              <a:buFont typeface="Arial" panose="020B0604020202020204" pitchFamily="34" charset="0"/>
+              <a:buChar char="•"/>
+              <a:defRPr/>
+            </a:pPr>
+            <a:endParaRPr lang="en-US" dirty="0">
+              <a:solidFill>
+                <a:srgbClr val="404040"/>
+              </a:solidFill>
+            </a:endParaRPr>
+          </a:p>
+          <a:p>
+            <a:pPr marL="342900" indent="-342900">
+              <a:buFont typeface="Arial" panose="020B0604020202020204" pitchFamily="34" charset="0"/>
+              <a:buChar char="•"/>
+              <a:defRPr/>
+            </a:pPr>
+            <a:r>
+              <a:rPr kumimoji="0" lang="en-US" b="0" i="0" u="none" strike="noStrike" kern="1200" cap="none" spc="0" normalizeH="0" baseline="0" noProof="0" dirty="0">
+                <a:ln>
+                  <a:noFill/>
+                </a:ln>
+                <a:solidFill>
+                  <a:srgbClr val="404040"/>
+                </a:solidFill>
+                <a:effectLst/>
+                <a:uLnTx/>
+                <a:uFillTx/>
+                <a:latin typeface="Arial" charset="0"/>
+                <a:ea typeface="ＭＳ Ｐゴシック" charset="-128"/>
+              </a:rPr>
+              <a:t>Factors Are on a </a:t>
+            </a:r>
+          </a:p>
+          <a:p>
+            <a:pPr>
+              <a:defRPr/>
+            </a:pPr>
+            <a:r>
+              <a:rPr lang="en-US" dirty="0">
+                <a:solidFill>
+                  <a:srgbClr val="404040"/>
+                </a:solidFill>
+              </a:rPr>
+              <a:t>    </a:t>
+            </a:r>
+            <a:r>
+              <a:rPr kumimoji="0" lang="en-US" sz="3800" b="0" i="0" u="none" strike="noStrike" kern="1200" cap="none" spc="0" normalizeH="0" baseline="0" noProof="0" dirty="0">
+                <a:ln>
+                  <a:noFill/>
+                </a:ln>
+                <a:solidFill>
+                  <a:srgbClr val="404040"/>
+                </a:solidFill>
+                <a:effectLst/>
+                <a:uLnTx/>
+                <a:uFillTx/>
+                <a:latin typeface="Arial" charset="0"/>
+                <a:ea typeface="ＭＳ Ｐゴシック" charset="-128"/>
+              </a:rPr>
+              <a:t>New Level</a:t>
+            </a:r>
+          </a:p>
+        </p:txBody>
+      </p:sp>
       <p:pic>
         <p:nvPicPr>
           <p:cNvPr id="1026" name="Picture 2" descr="Walking Stairs Clipart #1">
@@ -13031,8 +13451,8 @@
         </p:blipFill>
         <p:spPr bwMode="auto">
           <a:xfrm>
-            <a:off x="6781800" y="5181600"/>
-            <a:ext cx="1600200" cy="1600200"/>
+            <a:off x="7086600" y="5562600"/>
+            <a:ext cx="1219200" cy="1219200"/>
           </a:xfrm>
           <a:prstGeom prst="rect">
             <a:avLst/>
@@ -13239,426 +13659,6 @@
       </p:pic>
       <p:sp>
         <p:nvSpPr>
-          <p:cNvPr id="6" name="TextBox 5">
-            <a:extLst>
-              <a:ext uri="{FF2B5EF4-FFF2-40B4-BE49-F238E27FC236}">
-                <a16:creationId xmlns:a16="http://schemas.microsoft.com/office/drawing/2014/main" id="{E58EF064-51FF-48A9-8810-E84BE6F6F09D}"/>
-              </a:ext>
-            </a:extLst>
-          </p:cNvPr>
-          <p:cNvSpPr txBox="1"/>
-          <p:nvPr/>
-        </p:nvSpPr>
-        <p:spPr>
-          <a:xfrm>
-            <a:off x="3810000" y="621916"/>
-            <a:ext cx="5105400" cy="5878532"/>
-          </a:xfrm>
-          <a:prstGeom prst="rect">
-            <a:avLst/>
-          </a:prstGeom>
-          <a:noFill/>
-        </p:spPr>
-        <p:txBody>
-          <a:bodyPr wrap="square" rtlCol="0">
-            <a:spAutoFit/>
-          </a:bodyPr>
-          <a:lstStyle/>
-          <a:p>
-            <a:pPr marL="342900" marR="0" lvl="0" indent="-342900" algn="l" defTabSz="457200" rtl="0" eaLnBrk="1" fontAlgn="base" latinLnBrk="0" hangingPunct="1">
-              <a:lnSpc>
-                <a:spcPct val="100000"/>
-              </a:lnSpc>
-              <a:spcBef>
-                <a:spcPct val="0"/>
-              </a:spcBef>
-              <a:spcAft>
-                <a:spcPct val="0"/>
-              </a:spcAft>
-              <a:buClrTx/>
-              <a:buSzTx/>
-              <a:buFont typeface="Arial" panose="020B0604020202020204" pitchFamily="34" charset="0"/>
-              <a:buChar char="•"/>
-              <a:tabLst/>
-              <a:defRPr/>
-            </a:pPr>
-            <a:r>
-              <a:rPr lang="en-US" dirty="0">
-                <a:solidFill>
-                  <a:srgbClr val="404040"/>
-                </a:solidFill>
-              </a:rPr>
-              <a:t>Joyfully Read Chapter 12</a:t>
-            </a:r>
-            <a:endParaRPr kumimoji="0" lang="en-US" sz="2400" b="0" i="0" u="none" strike="noStrike" kern="1200" cap="none" spc="0" normalizeH="0" baseline="0" noProof="0" dirty="0">
-              <a:ln>
-                <a:noFill/>
-              </a:ln>
-              <a:solidFill>
-                <a:srgbClr val="404040"/>
-              </a:solidFill>
-              <a:effectLst/>
-              <a:uLnTx/>
-              <a:uFillTx/>
-            </a:endParaRPr>
-          </a:p>
-          <a:p>
-            <a:pPr marL="342900" marR="0" lvl="0" indent="-342900" algn="l" defTabSz="457200" rtl="0" eaLnBrk="1" fontAlgn="base" latinLnBrk="0" hangingPunct="1">
-              <a:lnSpc>
-                <a:spcPct val="100000"/>
-              </a:lnSpc>
-              <a:spcBef>
-                <a:spcPct val="0"/>
-              </a:spcBef>
-              <a:spcAft>
-                <a:spcPct val="0"/>
-              </a:spcAft>
-              <a:buClrTx/>
-              <a:buSzTx/>
-              <a:buFont typeface="Arial" panose="020B0604020202020204" pitchFamily="34" charset="0"/>
-              <a:buChar char="•"/>
-              <a:tabLst/>
-              <a:defRPr/>
-            </a:pPr>
-            <a:endParaRPr kumimoji="0" lang="en-US" sz="2400" b="0" i="0" u="none" strike="noStrike" kern="1200" cap="none" spc="0" normalizeH="0" baseline="0" noProof="0" dirty="0">
-              <a:ln>
-                <a:noFill/>
-              </a:ln>
-              <a:solidFill>
-                <a:srgbClr val="404040"/>
-              </a:solidFill>
-              <a:effectLst/>
-              <a:uLnTx/>
-              <a:uFillTx/>
-              <a:latin typeface="Arial" charset="0"/>
-              <a:ea typeface="ＭＳ Ｐゴシック" charset="-128"/>
-            </a:endParaRPr>
-          </a:p>
-          <a:p>
-            <a:pPr marL="342900" marR="0" lvl="0" indent="-342900" algn="l" defTabSz="457200" rtl="0" eaLnBrk="1" fontAlgn="base" latinLnBrk="0" hangingPunct="1">
-              <a:lnSpc>
-                <a:spcPct val="100000"/>
-              </a:lnSpc>
-              <a:spcBef>
-                <a:spcPct val="0"/>
-              </a:spcBef>
-              <a:spcAft>
-                <a:spcPct val="0"/>
-              </a:spcAft>
-              <a:buClrTx/>
-              <a:buSzTx/>
-              <a:buFont typeface="Arial" panose="020B0604020202020204" pitchFamily="34" charset="0"/>
-              <a:buChar char="•"/>
-              <a:tabLst/>
-              <a:defRPr/>
-            </a:pPr>
-            <a:r>
-              <a:rPr kumimoji="0" lang="en-US" sz="2400" b="0" i="0" u="none" strike="noStrike" kern="1200" cap="none" spc="0" normalizeH="0" baseline="0" noProof="0" dirty="0">
-                <a:ln>
-                  <a:noFill/>
-                </a:ln>
-                <a:solidFill>
-                  <a:srgbClr val="404040"/>
-                </a:solidFill>
-                <a:effectLst/>
-                <a:uLnTx/>
-                <a:uFillTx/>
-              </a:rPr>
-              <a:t>Additional Package</a:t>
-            </a:r>
-            <a:endParaRPr lang="en-US" dirty="0">
-              <a:solidFill>
-                <a:srgbClr val="404040"/>
-              </a:solidFill>
-            </a:endParaRPr>
-          </a:p>
-          <a:p>
-            <a:pPr marL="800100" lvl="1" indent="-342900">
-              <a:buFont typeface="Arial" panose="020B0604020202020204" pitchFamily="34" charset="0"/>
-              <a:buChar char="•"/>
-              <a:defRPr/>
-            </a:pPr>
-            <a:r>
-              <a:rPr lang="en-US" dirty="0">
-                <a:solidFill>
-                  <a:srgbClr val="404040"/>
-                </a:solidFill>
-              </a:rPr>
-              <a:t> </a:t>
-            </a:r>
-          </a:p>
-          <a:p>
-            <a:pPr marL="800100" lvl="1" indent="-342900">
-              <a:buFont typeface="Arial" panose="020B0604020202020204" pitchFamily="34" charset="0"/>
-              <a:buChar char="•"/>
-              <a:defRPr/>
-            </a:pPr>
-            <a:endParaRPr lang="en-US" dirty="0">
-              <a:solidFill>
-                <a:srgbClr val="404040"/>
-              </a:solidFill>
-            </a:endParaRPr>
-          </a:p>
-          <a:p>
-            <a:pPr marL="800100" lvl="1" indent="-342900">
-              <a:buFont typeface="Arial" panose="020B0604020202020204" pitchFamily="34" charset="0"/>
-              <a:buChar char="•"/>
-              <a:defRPr/>
-            </a:pPr>
-            <a:r>
-              <a:rPr lang="en-US" dirty="0">
-                <a:solidFill>
-                  <a:srgbClr val="404040"/>
-                </a:solidFill>
-              </a:rPr>
-              <a:t>Not Part of the </a:t>
-            </a:r>
-            <a:r>
-              <a:rPr lang="en-US" dirty="0" err="1">
-                <a:solidFill>
-                  <a:srgbClr val="404040"/>
-                </a:solidFill>
-              </a:rPr>
-              <a:t>tidyverse</a:t>
-            </a:r>
-            <a:endParaRPr lang="en-US" dirty="0">
-              <a:solidFill>
-                <a:srgbClr val="404040"/>
-              </a:solidFill>
-            </a:endParaRPr>
-          </a:p>
-          <a:p>
-            <a:pPr lvl="1">
-              <a:defRPr/>
-            </a:pPr>
-            <a:endParaRPr kumimoji="0" lang="en-US" sz="2400" b="0" i="0" u="none" strike="noStrike" kern="1200" cap="none" spc="0" normalizeH="0" baseline="0" noProof="0" dirty="0">
-              <a:ln>
-                <a:noFill/>
-              </a:ln>
-              <a:solidFill>
-                <a:srgbClr val="404040"/>
-              </a:solidFill>
-              <a:effectLst/>
-              <a:uLnTx/>
-              <a:uFillTx/>
-              <a:latin typeface="Arial" charset="0"/>
-              <a:ea typeface="ＭＳ Ｐゴシック" charset="-128"/>
-            </a:endParaRPr>
-          </a:p>
-          <a:p>
-            <a:pPr marL="342900" marR="0" lvl="0" indent="-342900" algn="l" defTabSz="457200" rtl="0" eaLnBrk="1" fontAlgn="base" latinLnBrk="0" hangingPunct="1">
-              <a:lnSpc>
-                <a:spcPct val="100000"/>
-              </a:lnSpc>
-              <a:spcBef>
-                <a:spcPct val="0"/>
-              </a:spcBef>
-              <a:spcAft>
-                <a:spcPct val="0"/>
-              </a:spcAft>
-              <a:buClrTx/>
-              <a:buSzTx/>
-              <a:buFont typeface="Arial" panose="020B0604020202020204" pitchFamily="34" charset="0"/>
-              <a:buChar char="•"/>
-              <a:tabLst/>
-              <a:defRPr/>
-            </a:pPr>
-            <a:r>
-              <a:rPr lang="en-US" dirty="0">
-                <a:solidFill>
-                  <a:srgbClr val="404040"/>
-                </a:solidFill>
-              </a:rPr>
-              <a:t>For Variables with,</a:t>
-            </a:r>
-            <a:endParaRPr kumimoji="0" lang="en-US" sz="2400" b="0" i="0" u="none" strike="noStrike" kern="1200" cap="none" spc="0" normalizeH="0" baseline="0" noProof="0" dirty="0">
-              <a:ln>
-                <a:noFill/>
-              </a:ln>
-              <a:solidFill>
-                <a:srgbClr val="404040"/>
-              </a:solidFill>
-              <a:effectLst/>
-              <a:uLnTx/>
-              <a:uFillTx/>
-            </a:endParaRPr>
-          </a:p>
-          <a:p>
-            <a:pPr marL="800100" lvl="1" indent="-342900">
-              <a:buFont typeface="Arial" panose="020B0604020202020204" pitchFamily="34" charset="0"/>
-              <a:buChar char="•"/>
-              <a:defRPr/>
-            </a:pPr>
-            <a:r>
-              <a:rPr kumimoji="0" lang="en-US" b="0" i="0" u="none" strike="noStrike" kern="1200" cap="none" spc="0" normalizeH="0" baseline="0" noProof="0" dirty="0">
-                <a:ln>
-                  <a:noFill/>
-                </a:ln>
-                <a:solidFill>
-                  <a:srgbClr val="404040"/>
-                </a:solidFill>
-                <a:effectLst/>
-                <a:uLnTx/>
-                <a:uFillTx/>
-                <a:latin typeface="Arial" charset="0"/>
-                <a:ea typeface="ＭＳ Ｐゴシック" charset="-128"/>
-              </a:rPr>
-              <a:t>Fixed Set of Values</a:t>
-            </a:r>
-          </a:p>
-          <a:p>
-            <a:pPr marL="800100" lvl="1" indent="-342900">
-              <a:buFont typeface="Arial" panose="020B0604020202020204" pitchFamily="34" charset="0"/>
-              <a:buChar char="•"/>
-              <a:defRPr/>
-            </a:pPr>
-            <a:r>
-              <a:rPr kumimoji="0" lang="en-US" b="0" i="0" u="none" strike="noStrike" kern="1200" cap="none" spc="0" normalizeH="0" baseline="0" noProof="0" dirty="0">
-                <a:ln>
-                  <a:noFill/>
-                </a:ln>
-                <a:solidFill>
-                  <a:srgbClr val="404040"/>
-                </a:solidFill>
-                <a:effectLst/>
-                <a:uLnTx/>
-                <a:uFillTx/>
-                <a:latin typeface="Arial" charset="0"/>
-                <a:ea typeface="ＭＳ Ｐゴシック" charset="-128"/>
-              </a:rPr>
-              <a:t>Known Set of </a:t>
-            </a:r>
-            <a:r>
-              <a:rPr kumimoji="0" lang="en-US" b="0" i="0" u="none" strike="noStrike" kern="1200" cap="none" spc="0" normalizeH="0" baseline="0" noProof="0" dirty="0">
-                <a:ln>
-                  <a:noFill/>
-                </a:ln>
-                <a:solidFill>
-                  <a:srgbClr val="404040"/>
-                </a:solidFill>
-                <a:effectLst/>
-                <a:uLnTx/>
-                <a:uFillTx/>
-              </a:rPr>
-              <a:t>Values</a:t>
-            </a:r>
-            <a:endParaRPr lang="en-US" dirty="0">
-              <a:solidFill>
-                <a:srgbClr val="404040"/>
-              </a:solidFill>
-            </a:endParaRPr>
-          </a:p>
-          <a:p>
-            <a:pPr marL="800100" lvl="1" indent="-342900">
-              <a:buFont typeface="Arial" panose="020B0604020202020204" pitchFamily="34" charset="0"/>
-              <a:buChar char="•"/>
-              <a:defRPr/>
-            </a:pPr>
-            <a:endParaRPr kumimoji="0" lang="en-US" b="0" i="0" u="none" strike="noStrike" kern="1200" cap="none" spc="0" normalizeH="0" baseline="0" noProof="0" dirty="0">
-              <a:ln>
-                <a:noFill/>
-              </a:ln>
-              <a:solidFill>
-                <a:srgbClr val="404040"/>
-              </a:solidFill>
-              <a:effectLst/>
-              <a:uLnTx/>
-              <a:uFillTx/>
-              <a:latin typeface="Arial" charset="0"/>
-              <a:ea typeface="ＭＳ Ｐゴシック" charset="-128"/>
-            </a:endParaRPr>
-          </a:p>
-          <a:p>
-            <a:pPr marL="342900" indent="-342900">
-              <a:buFont typeface="Arial" panose="020B0604020202020204" pitchFamily="34" charset="0"/>
-              <a:buChar char="•"/>
-              <a:defRPr/>
-            </a:pPr>
-            <a:r>
-              <a:rPr kumimoji="0" lang="en-US" b="0" i="0" u="none" strike="noStrike" kern="1200" cap="none" spc="0" normalizeH="0" baseline="0" noProof="0" dirty="0">
-                <a:ln>
-                  <a:noFill/>
-                </a:ln>
-                <a:solidFill>
-                  <a:srgbClr val="404040"/>
-                </a:solidFill>
-                <a:effectLst/>
-                <a:uLnTx/>
-                <a:uFillTx/>
-                <a:latin typeface="Arial" charset="0"/>
-                <a:ea typeface="ＭＳ Ｐゴシック" charset="-128"/>
-              </a:rPr>
-              <a:t>Sophisticated Character Vector</a:t>
-            </a:r>
-          </a:p>
-          <a:p>
-            <a:pPr marL="342900" indent="-342900">
-              <a:buFont typeface="Arial" panose="020B0604020202020204" pitchFamily="34" charset="0"/>
-              <a:buChar char="•"/>
-              <a:defRPr/>
-            </a:pPr>
-            <a:endParaRPr lang="en-US" dirty="0">
-              <a:solidFill>
-                <a:srgbClr val="404040"/>
-              </a:solidFill>
-            </a:endParaRPr>
-          </a:p>
-          <a:p>
-            <a:pPr marL="342900" indent="-342900">
-              <a:buFont typeface="Arial" panose="020B0604020202020204" pitchFamily="34" charset="0"/>
-              <a:buChar char="•"/>
-              <a:defRPr/>
-            </a:pPr>
-            <a:r>
-              <a:rPr kumimoji="0" lang="en-US" b="0" i="0" u="none" strike="noStrike" kern="1200" cap="none" spc="0" normalizeH="0" baseline="0" noProof="0" dirty="0">
-                <a:ln>
-                  <a:noFill/>
-                </a:ln>
-                <a:solidFill>
-                  <a:srgbClr val="404040"/>
-                </a:solidFill>
-                <a:effectLst/>
-                <a:uLnTx/>
-                <a:uFillTx/>
-                <a:latin typeface="Arial" charset="0"/>
-                <a:ea typeface="ＭＳ Ｐゴシック" charset="-128"/>
-              </a:rPr>
-              <a:t>Factors Are on a </a:t>
-            </a:r>
-          </a:p>
-          <a:p>
-            <a:pPr>
-              <a:defRPr/>
-            </a:pPr>
-            <a:r>
-              <a:rPr lang="en-US" dirty="0">
-                <a:solidFill>
-                  <a:srgbClr val="404040"/>
-                </a:solidFill>
-              </a:rPr>
-              <a:t>    </a:t>
-            </a:r>
-            <a:r>
-              <a:rPr kumimoji="0" lang="en-US" sz="3800" b="0" i="0" u="none" strike="noStrike" kern="1200" cap="none" spc="0" normalizeH="0" baseline="0" noProof="0" dirty="0">
-                <a:ln>
-                  <a:noFill/>
-                </a:ln>
-                <a:solidFill>
-                  <a:srgbClr val="404040"/>
-                </a:solidFill>
-                <a:effectLst/>
-                <a:uLnTx/>
-                <a:uFillTx/>
-                <a:latin typeface="Arial" charset="0"/>
-                <a:ea typeface="ＭＳ Ｐゴシック" charset="-128"/>
-              </a:rPr>
-              <a:t>New Level</a:t>
-            </a:r>
-          </a:p>
-        </p:txBody>
-      </p:sp>
-      <p:sp>
-        <p:nvSpPr>
           <p:cNvPr id="3" name="TextBox 2">
             <a:extLst>
               <a:ext uri="{FF2B5EF4-FFF2-40B4-BE49-F238E27FC236}">
@@ -13671,7 +13671,7 @@
         </p:nvSpPr>
         <p:spPr>
           <a:xfrm>
-            <a:off x="4724400" y="1828800"/>
+            <a:off x="4648200" y="2188713"/>
             <a:ext cx="2438400" cy="461665"/>
           </a:xfrm>
           <a:prstGeom prst="rect">
